--- a/Description/WebLoginLogout.pptx
+++ b/Description/WebLoginLogout.pptx
@@ -7,9 +7,10 @@
   <p:sldIdLst>
     <p:sldId id="263" r:id="rId2"/>
     <p:sldId id="265" r:id="rId3"/>
-    <p:sldId id="262" r:id="rId4"/>
-    <p:sldId id="261" r:id="rId5"/>
-    <p:sldId id="264" r:id="rId6"/>
+    <p:sldId id="266" r:id="rId4"/>
+    <p:sldId id="262" r:id="rId5"/>
+    <p:sldId id="261" r:id="rId6"/>
+    <p:sldId id="264" r:id="rId7"/>
   </p:sldIdLst>
   <p:sldSz cx="12192000" cy="6858000"/>
   <p:notesSz cx="6661150" cy="9866313"/>
@@ -5880,6 +5881,2473 @@
           <p:cNvPr id="2" name="Rechteck 1">
             <a:extLst>
               <a:ext uri="{FF2B5EF4-FFF2-40B4-BE49-F238E27FC236}">
+                <a16:creationId xmlns:a16="http://schemas.microsoft.com/office/drawing/2014/main" id="{31DA4876-F32C-2953-9AAB-971F25FA5637}"/>
+              </a:ext>
+            </a:extLst>
+          </p:cNvPr>
+          <p:cNvSpPr/>
+          <p:nvPr/>
+        </p:nvSpPr>
+        <p:spPr>
+          <a:xfrm>
+            <a:off x="751701" y="462309"/>
+            <a:ext cx="4431957" cy="4152940"/>
+          </a:xfrm>
+          <a:prstGeom prst="rect">
+            <a:avLst/>
+          </a:prstGeom>
+          <a:noFill/>
+          <a:ln>
+            <a:solidFill>
+              <a:schemeClr val="tx1"/>
+            </a:solidFill>
+          </a:ln>
+        </p:spPr>
+        <p:style>
+          <a:lnRef idx="2">
+            <a:schemeClr val="accent1">
+              <a:shade val="50000"/>
+            </a:schemeClr>
+          </a:lnRef>
+          <a:fillRef idx="1">
+            <a:schemeClr val="accent1"/>
+          </a:fillRef>
+          <a:effectRef idx="0">
+            <a:schemeClr val="accent1"/>
+          </a:effectRef>
+          <a:fontRef idx="minor">
+            <a:schemeClr val="lt1"/>
+          </a:fontRef>
+        </p:style>
+        <p:txBody>
+          <a:bodyPr rtlCol="0" anchor="ctr"/>
+          <a:lstStyle/>
+          <a:p>
+            <a:pPr algn="ctr"/>
+            <a:endParaRPr lang="de-CH"/>
+          </a:p>
+        </p:txBody>
+      </p:sp>
+      <p:sp>
+        <p:nvSpPr>
+          <p:cNvPr id="4" name="Rechteck 3">
+            <a:extLst>
+              <a:ext uri="{FF2B5EF4-FFF2-40B4-BE49-F238E27FC236}">
+                <a16:creationId xmlns:a16="http://schemas.microsoft.com/office/drawing/2014/main" id="{06E751CF-12E9-1642-8851-B69A00A933F0}"/>
+              </a:ext>
+            </a:extLst>
+          </p:cNvPr>
+          <p:cNvSpPr/>
+          <p:nvPr/>
+        </p:nvSpPr>
+        <p:spPr>
+          <a:xfrm>
+            <a:off x="831938" y="514556"/>
+            <a:ext cx="4197260" cy="341546"/>
+          </a:xfrm>
+          <a:prstGeom prst="rect">
+            <a:avLst/>
+          </a:prstGeom>
+          <a:solidFill>
+            <a:schemeClr val="accent6">
+              <a:lumMod val="40000"/>
+              <a:lumOff val="60000"/>
+            </a:schemeClr>
+          </a:solidFill>
+          <a:ln>
+            <a:solidFill>
+              <a:schemeClr val="tx1"/>
+            </a:solidFill>
+          </a:ln>
+        </p:spPr>
+        <p:style>
+          <a:lnRef idx="2">
+            <a:schemeClr val="accent1">
+              <a:shade val="50000"/>
+            </a:schemeClr>
+          </a:lnRef>
+          <a:fillRef idx="1">
+            <a:schemeClr val="accent1"/>
+          </a:fillRef>
+          <a:effectRef idx="0">
+            <a:schemeClr val="accent1"/>
+          </a:effectRef>
+          <a:fontRef idx="minor">
+            <a:schemeClr val="lt1"/>
+          </a:fontRef>
+        </p:style>
+        <p:txBody>
+          <a:bodyPr rtlCol="0" anchor="ctr"/>
+          <a:lstStyle/>
+          <a:p>
+            <a:r>
+              <a:rPr lang="de-CH" sz="1000" b="1" dirty="0" err="1">
+                <a:solidFill>
+                  <a:schemeClr val="tx1"/>
+                </a:solidFill>
+                <a:latin typeface="Arial" panose="020B0604020202020204" pitchFamily="34" charset="0"/>
+                <a:cs typeface="Arial" panose="020B0604020202020204" pitchFamily="34" charset="0"/>
+              </a:rPr>
+              <a:t>g_web_login_logout</a:t>
+            </a:r>
+            <a:r>
+              <a:rPr lang="de-CH" sz="1000" b="1" dirty="0">
+                <a:solidFill>
+                  <a:schemeClr val="tx1"/>
+                </a:solidFill>
+                <a:latin typeface="Arial" panose="020B0604020202020204" pitchFamily="34" charset="0"/>
+                <a:cs typeface="Arial" panose="020B0604020202020204" pitchFamily="34" charset="0"/>
+              </a:rPr>
+              <a:t>  </a:t>
+            </a:r>
+            <a:r>
+              <a:rPr lang="de-CH" sz="1000" b="1" dirty="0" err="1">
+                <a:solidFill>
+                  <a:schemeClr val="tx1"/>
+                </a:solidFill>
+                <a:latin typeface="Arial" panose="020B0604020202020204" pitchFamily="34" charset="0"/>
+                <a:cs typeface="Arial" panose="020B0604020202020204" pitchFamily="34" charset="0"/>
+              </a:rPr>
+              <a:t>WebLoginLogout</a:t>
+            </a:r>
+            <a:endParaRPr lang="de-CH" sz="1000" b="1" dirty="0">
+              <a:solidFill>
+                <a:schemeClr val="tx1"/>
+              </a:solidFill>
+              <a:latin typeface="Arial" panose="020B0604020202020204" pitchFamily="34" charset="0"/>
+              <a:cs typeface="Arial" panose="020B0604020202020204" pitchFamily="34" charset="0"/>
+            </a:endParaRPr>
+          </a:p>
+        </p:txBody>
+      </p:sp>
+      <p:sp>
+        <p:nvSpPr>
+          <p:cNvPr id="5" name="Rechteck 4">
+            <a:extLst>
+              <a:ext uri="{FF2B5EF4-FFF2-40B4-BE49-F238E27FC236}">
+                <a16:creationId xmlns:a16="http://schemas.microsoft.com/office/drawing/2014/main" id="{5B88953B-745C-D0EC-55D5-D5300D1AC405}"/>
+              </a:ext>
+            </a:extLst>
+          </p:cNvPr>
+          <p:cNvSpPr/>
+          <p:nvPr/>
+        </p:nvSpPr>
+        <p:spPr>
+          <a:xfrm>
+            <a:off x="831936" y="882767"/>
+            <a:ext cx="4197262" cy="723612"/>
+          </a:xfrm>
+          <a:prstGeom prst="rect">
+            <a:avLst/>
+          </a:prstGeom>
+          <a:solidFill>
+            <a:schemeClr val="accent1">
+              <a:lumMod val="40000"/>
+              <a:lumOff val="60000"/>
+            </a:schemeClr>
+          </a:solidFill>
+          <a:ln>
+            <a:solidFill>
+              <a:schemeClr val="tx2">
+                <a:lumMod val="20000"/>
+                <a:lumOff val="80000"/>
+              </a:schemeClr>
+            </a:solidFill>
+          </a:ln>
+        </p:spPr>
+        <p:style>
+          <a:lnRef idx="2">
+            <a:schemeClr val="accent1">
+              <a:shade val="50000"/>
+            </a:schemeClr>
+          </a:lnRef>
+          <a:fillRef idx="1">
+            <a:schemeClr val="accent1"/>
+          </a:fillRef>
+          <a:effectRef idx="0">
+            <a:schemeClr val="accent1"/>
+          </a:effectRef>
+          <a:fontRef idx="minor">
+            <a:schemeClr val="lt1"/>
+          </a:fontRef>
+        </p:style>
+        <p:txBody>
+          <a:bodyPr rtlCol="0" anchor="ctr"/>
+          <a:lstStyle/>
+          <a:p>
+            <a:r>
+              <a:rPr lang="de-CH" sz="1000" b="1" dirty="0" err="1">
+                <a:solidFill>
+                  <a:schemeClr val="tx1"/>
+                </a:solidFill>
+                <a:latin typeface="Arial" panose="020B0604020202020204" pitchFamily="34" charset="0"/>
+                <a:cs typeface="Arial" panose="020B0604020202020204" pitchFamily="34" charset="0"/>
+              </a:rPr>
+              <a:t>initTestLogin</a:t>
+            </a:r>
+            <a:r>
+              <a:rPr lang="de-CH" sz="1000" b="1" dirty="0">
+                <a:solidFill>
+                  <a:schemeClr val="tx1"/>
+                </a:solidFill>
+                <a:latin typeface="Arial" panose="020B0604020202020204" pitchFamily="34" charset="0"/>
+                <a:cs typeface="Arial" panose="020B0604020202020204" pitchFamily="34" charset="0"/>
+              </a:rPr>
+              <a:t>()</a:t>
+            </a:r>
+          </a:p>
+          <a:p>
+            <a:endParaRPr lang="de-CH" sz="800" b="1" dirty="0">
+              <a:solidFill>
+                <a:schemeClr val="tx1"/>
+              </a:solidFill>
+              <a:latin typeface="Arial" panose="020B0604020202020204" pitchFamily="34" charset="0"/>
+              <a:cs typeface="Arial" panose="020B0604020202020204" pitchFamily="34" charset="0"/>
+            </a:endParaRPr>
+          </a:p>
+          <a:p>
+            <a:r>
+              <a:rPr lang="de-CH" sz="800" b="1" dirty="0">
+                <a:solidFill>
+                  <a:schemeClr val="tx1"/>
+                </a:solidFill>
+                <a:latin typeface="Arial" panose="020B0604020202020204" pitchFamily="34" charset="0"/>
+                <a:cs typeface="Arial" panose="020B0604020202020204" pitchFamily="34" charset="0"/>
+              </a:rPr>
+              <a:t>Set </a:t>
+            </a:r>
+            <a:r>
+              <a:rPr lang="de-CH" sz="800" b="1" dirty="0" err="1">
+                <a:solidFill>
+                  <a:schemeClr val="tx1"/>
+                </a:solidFill>
+                <a:latin typeface="Arial" panose="020B0604020202020204" pitchFamily="34" charset="0"/>
+                <a:cs typeface="Arial" panose="020B0604020202020204" pitchFamily="34" charset="0"/>
+              </a:rPr>
+              <a:t>array</a:t>
+            </a:r>
+            <a:r>
+              <a:rPr lang="de-CH" sz="800" b="1" dirty="0">
+                <a:solidFill>
+                  <a:schemeClr val="tx1"/>
+                </a:solidFill>
+                <a:latin typeface="Arial" panose="020B0604020202020204" pitchFamily="34" charset="0"/>
+                <a:cs typeface="Arial" panose="020B0604020202020204" pitchFamily="34" charset="0"/>
+              </a:rPr>
+              <a:t> </a:t>
+            </a:r>
+            <a:r>
+              <a:rPr lang="de-CH" sz="800" b="1" dirty="0" err="1">
+                <a:solidFill>
+                  <a:schemeClr val="tx1"/>
+                </a:solidFill>
+                <a:latin typeface="Arial" panose="020B0604020202020204" pitchFamily="34" charset="0"/>
+                <a:cs typeface="Arial" panose="020B0604020202020204" pitchFamily="34" charset="0"/>
+              </a:rPr>
+              <a:t>with</a:t>
+            </a:r>
+            <a:r>
+              <a:rPr lang="de-CH" sz="800" b="1" dirty="0">
+                <a:solidFill>
+                  <a:schemeClr val="tx1"/>
+                </a:solidFill>
+                <a:latin typeface="Arial" panose="020B0604020202020204" pitchFamily="34" charset="0"/>
+                <a:cs typeface="Arial" panose="020B0604020202020204" pitchFamily="34" charset="0"/>
+              </a:rPr>
+              <a:t> </a:t>
+            </a:r>
+            <a:r>
+              <a:rPr lang="de-CH" sz="800" b="1" dirty="0" err="1">
+                <a:solidFill>
+                  <a:schemeClr val="tx1"/>
+                </a:solidFill>
+                <a:latin typeface="Arial" panose="020B0604020202020204" pitchFamily="34" charset="0"/>
+                <a:cs typeface="Arial" panose="020B0604020202020204" pitchFamily="34" charset="0"/>
+              </a:rPr>
+              <a:t>elements</a:t>
+            </a:r>
+            <a:r>
+              <a:rPr lang="de-CH" sz="800" b="1" dirty="0">
+                <a:solidFill>
+                  <a:schemeClr val="tx1"/>
+                </a:solidFill>
+                <a:latin typeface="Arial" panose="020B0604020202020204" pitchFamily="34" charset="0"/>
+                <a:cs typeface="Arial" panose="020B0604020202020204" pitchFamily="34" charset="0"/>
+              </a:rPr>
+              <a:t> </a:t>
+            </a:r>
+            <a:r>
+              <a:rPr lang="de-CH" sz="800" b="1" dirty="0" err="1">
+                <a:solidFill>
+                  <a:schemeClr val="tx1"/>
+                </a:solidFill>
+                <a:latin typeface="Arial" panose="020B0604020202020204" pitchFamily="34" charset="0"/>
+                <a:cs typeface="Arial" panose="020B0604020202020204" pitchFamily="34" charset="0"/>
+              </a:rPr>
+              <a:t>that</a:t>
+            </a:r>
+            <a:r>
+              <a:rPr lang="de-CH" sz="800" b="1" dirty="0">
+                <a:solidFill>
+                  <a:schemeClr val="tx1"/>
+                </a:solidFill>
+                <a:latin typeface="Arial" panose="020B0604020202020204" pitchFamily="34" charset="0"/>
+                <a:cs typeface="Arial" panose="020B0604020202020204" pitchFamily="34" charset="0"/>
+              </a:rPr>
+              <a:t> </a:t>
+            </a:r>
+            <a:r>
+              <a:rPr lang="de-CH" sz="800" b="1" dirty="0" err="1">
+                <a:solidFill>
+                  <a:schemeClr val="tx1"/>
+                </a:solidFill>
+                <a:latin typeface="Arial" panose="020B0604020202020204" pitchFamily="34" charset="0"/>
+                <a:cs typeface="Arial" panose="020B0604020202020204" pitchFamily="34" charset="0"/>
+              </a:rPr>
+              <a:t>shall</a:t>
+            </a:r>
+            <a:r>
+              <a:rPr lang="de-CH" sz="800" b="1" dirty="0">
+                <a:solidFill>
+                  <a:schemeClr val="tx1"/>
+                </a:solidFill>
+                <a:latin typeface="Arial" panose="020B0604020202020204" pitchFamily="34" charset="0"/>
+                <a:cs typeface="Arial" panose="020B0604020202020204" pitchFamily="34" charset="0"/>
+              </a:rPr>
+              <a:t> </a:t>
+            </a:r>
+            <a:r>
+              <a:rPr lang="de-CH" sz="800" b="1" dirty="0" err="1">
+                <a:solidFill>
+                  <a:schemeClr val="tx1"/>
+                </a:solidFill>
+                <a:latin typeface="Arial" panose="020B0604020202020204" pitchFamily="34" charset="0"/>
+                <a:cs typeface="Arial" panose="020B0604020202020204" pitchFamily="34" charset="0"/>
+              </a:rPr>
+              <a:t>be</a:t>
+            </a:r>
+            <a:r>
+              <a:rPr lang="de-CH" sz="800" b="1" dirty="0">
+                <a:solidFill>
+                  <a:schemeClr val="tx1"/>
+                </a:solidFill>
+                <a:latin typeface="Arial" panose="020B0604020202020204" pitchFamily="34" charset="0"/>
+                <a:cs typeface="Arial" panose="020B0604020202020204" pitchFamily="34" charset="0"/>
+              </a:rPr>
+              <a:t> </a:t>
+            </a:r>
+            <a:r>
+              <a:rPr lang="de-CH" sz="800" b="1" dirty="0" err="1">
+                <a:solidFill>
+                  <a:schemeClr val="tx1"/>
+                </a:solidFill>
+                <a:latin typeface="Arial" panose="020B0604020202020204" pitchFamily="34" charset="0"/>
+                <a:cs typeface="Arial" panose="020B0604020202020204" pitchFamily="34" charset="0"/>
+              </a:rPr>
+              <a:t>hidden</a:t>
+            </a:r>
+            <a:r>
+              <a:rPr lang="de-CH" sz="800" b="1" dirty="0">
+                <a:solidFill>
+                  <a:schemeClr val="tx1"/>
+                </a:solidFill>
+                <a:latin typeface="Arial" panose="020B0604020202020204" pitchFamily="34" charset="0"/>
+                <a:cs typeface="Arial" panose="020B0604020202020204" pitchFamily="34" charset="0"/>
+              </a:rPr>
+              <a:t> </a:t>
+            </a:r>
+            <a:r>
+              <a:rPr lang="de-CH" sz="800" b="1" dirty="0" err="1">
+                <a:solidFill>
+                  <a:schemeClr val="tx1"/>
+                </a:solidFill>
+                <a:latin typeface="Arial" panose="020B0604020202020204" pitchFamily="34" charset="0"/>
+                <a:cs typeface="Arial" panose="020B0604020202020204" pitchFamily="34" charset="0"/>
+              </a:rPr>
+              <a:t>if</a:t>
+            </a:r>
+            <a:r>
+              <a:rPr lang="de-CH" sz="800" b="1" dirty="0">
+                <a:solidFill>
+                  <a:schemeClr val="tx1"/>
+                </a:solidFill>
+                <a:latin typeface="Arial" panose="020B0604020202020204" pitchFamily="34" charset="0"/>
+                <a:cs typeface="Arial" panose="020B0604020202020204" pitchFamily="34" charset="0"/>
+              </a:rPr>
+              <a:t> not </a:t>
+            </a:r>
+            <a:r>
+              <a:rPr lang="de-CH" sz="800" b="1" dirty="0" err="1">
+                <a:solidFill>
+                  <a:schemeClr val="tx1"/>
+                </a:solidFill>
+                <a:latin typeface="Arial" panose="020B0604020202020204" pitchFamily="34" charset="0"/>
+                <a:cs typeface="Arial" panose="020B0604020202020204" pitchFamily="34" charset="0"/>
+              </a:rPr>
+              <a:t>logged</a:t>
+            </a:r>
+            <a:r>
+              <a:rPr lang="de-CH" sz="800" b="1" dirty="0">
+                <a:solidFill>
+                  <a:schemeClr val="tx1"/>
+                </a:solidFill>
+                <a:latin typeface="Arial" panose="020B0604020202020204" pitchFamily="34" charset="0"/>
+                <a:cs typeface="Arial" panose="020B0604020202020204" pitchFamily="34" charset="0"/>
+              </a:rPr>
+              <a:t> in</a:t>
+            </a:r>
+          </a:p>
+          <a:p>
+            <a:r>
+              <a:rPr lang="de-CH" sz="800" b="1" dirty="0">
+                <a:solidFill>
+                  <a:schemeClr val="tx1"/>
+                </a:solidFill>
+                <a:latin typeface="Arial" panose="020B0604020202020204" pitchFamily="34" charset="0"/>
+                <a:cs typeface="Arial" panose="020B0604020202020204" pitchFamily="34" charset="0"/>
+              </a:rPr>
+              <a:t>Create </a:t>
+            </a:r>
+            <a:r>
+              <a:rPr lang="de-CH" sz="800" b="1" dirty="0" err="1">
+                <a:solidFill>
+                  <a:schemeClr val="tx1"/>
+                </a:solidFill>
+                <a:latin typeface="Arial" panose="020B0604020202020204" pitchFamily="34" charset="0"/>
+                <a:cs typeface="Arial" panose="020B0604020202020204" pitchFamily="34" charset="0"/>
+              </a:rPr>
+              <a:t>WebLoginLogout</a:t>
+            </a:r>
+            <a:r>
+              <a:rPr lang="de-CH" sz="800" b="1" dirty="0">
+                <a:solidFill>
+                  <a:schemeClr val="tx1"/>
+                </a:solidFill>
+                <a:latin typeface="Arial" panose="020B0604020202020204" pitchFamily="34" charset="0"/>
+                <a:cs typeface="Arial" panose="020B0604020202020204" pitchFamily="34" charset="0"/>
+              </a:rPr>
+              <a:t> Callback </a:t>
+            </a:r>
+            <a:r>
+              <a:rPr lang="de-CH" sz="800" b="1" dirty="0" err="1">
+                <a:solidFill>
+                  <a:schemeClr val="tx1"/>
+                </a:solidFill>
+                <a:latin typeface="Arial" panose="020B0604020202020204" pitchFamily="34" charset="0"/>
+                <a:cs typeface="Arial" panose="020B0604020202020204" pitchFamily="34" charset="0"/>
+              </a:rPr>
+              <a:t>createLoginLogoutControlsAfterLoadOfXml</a:t>
+            </a:r>
+            <a:endParaRPr lang="de-CH" sz="800" b="1" dirty="0">
+              <a:solidFill>
+                <a:schemeClr val="tx1"/>
+              </a:solidFill>
+              <a:latin typeface="Arial" panose="020B0604020202020204" pitchFamily="34" charset="0"/>
+              <a:cs typeface="Arial" panose="020B0604020202020204" pitchFamily="34" charset="0"/>
+            </a:endParaRPr>
+          </a:p>
+          <a:p>
+            <a:r>
+              <a:rPr lang="de-CH" sz="800" b="1" dirty="0" err="1">
+                <a:solidFill>
+                  <a:schemeClr val="tx1"/>
+                </a:solidFill>
+                <a:latin typeface="Arial" panose="020B0604020202020204" pitchFamily="34" charset="0"/>
+                <a:cs typeface="Arial" panose="020B0604020202020204" pitchFamily="34" charset="0"/>
+              </a:rPr>
+              <a:t>WebLoginLogout.LoadXml</a:t>
+            </a:r>
+            <a:endParaRPr lang="de-CH" sz="800" b="1" dirty="0">
+              <a:solidFill>
+                <a:schemeClr val="tx1"/>
+              </a:solidFill>
+              <a:latin typeface="Arial" panose="020B0604020202020204" pitchFamily="34" charset="0"/>
+              <a:cs typeface="Arial" panose="020B0604020202020204" pitchFamily="34" charset="0"/>
+            </a:endParaRPr>
+          </a:p>
+          <a:p>
+            <a:endParaRPr lang="de-CH" sz="800" b="1" dirty="0">
+              <a:solidFill>
+                <a:schemeClr val="tx1"/>
+              </a:solidFill>
+              <a:latin typeface="Arial" panose="020B0604020202020204" pitchFamily="34" charset="0"/>
+              <a:cs typeface="Arial" panose="020B0604020202020204" pitchFamily="34" charset="0"/>
+            </a:endParaRPr>
+          </a:p>
+        </p:txBody>
+      </p:sp>
+      <p:sp>
+        <p:nvSpPr>
+          <p:cNvPr id="6" name="Rechteck 5">
+            <a:extLst>
+              <a:ext uri="{FF2B5EF4-FFF2-40B4-BE49-F238E27FC236}">
+                <a16:creationId xmlns:a16="http://schemas.microsoft.com/office/drawing/2014/main" id="{61539207-87CB-FDAE-52C7-F7CE4A1AB9E1}"/>
+              </a:ext>
+            </a:extLst>
+          </p:cNvPr>
+          <p:cNvSpPr/>
+          <p:nvPr/>
+        </p:nvSpPr>
+        <p:spPr>
+          <a:xfrm>
+            <a:off x="831936" y="1641256"/>
+            <a:ext cx="4197262" cy="477080"/>
+          </a:xfrm>
+          <a:prstGeom prst="rect">
+            <a:avLst/>
+          </a:prstGeom>
+          <a:solidFill>
+            <a:schemeClr val="accent1">
+              <a:lumMod val="40000"/>
+              <a:lumOff val="60000"/>
+            </a:schemeClr>
+          </a:solidFill>
+          <a:ln>
+            <a:solidFill>
+              <a:schemeClr val="tx2">
+                <a:lumMod val="20000"/>
+                <a:lumOff val="80000"/>
+              </a:schemeClr>
+            </a:solidFill>
+          </a:ln>
+        </p:spPr>
+        <p:style>
+          <a:lnRef idx="2">
+            <a:schemeClr val="accent1">
+              <a:shade val="50000"/>
+            </a:schemeClr>
+          </a:lnRef>
+          <a:fillRef idx="1">
+            <a:schemeClr val="accent1"/>
+          </a:fillRef>
+          <a:effectRef idx="0">
+            <a:schemeClr val="accent1"/>
+          </a:effectRef>
+          <a:fontRef idx="minor">
+            <a:schemeClr val="lt1"/>
+          </a:fontRef>
+        </p:style>
+        <p:txBody>
+          <a:bodyPr rtlCol="0" anchor="ctr"/>
+          <a:lstStyle/>
+          <a:p>
+            <a:r>
+              <a:rPr lang="de-CH" sz="1000" b="1" dirty="0" err="1">
+                <a:solidFill>
+                  <a:schemeClr val="tx1"/>
+                </a:solidFill>
+                <a:latin typeface="Arial" panose="020B0604020202020204" pitchFamily="34" charset="0"/>
+                <a:cs typeface="Arial" panose="020B0604020202020204" pitchFamily="34" charset="0"/>
+              </a:rPr>
+              <a:t>createLoginLogoutControlsAfterLoadOfXml</a:t>
+            </a:r>
+            <a:r>
+              <a:rPr lang="de-CH" sz="1000" b="1" dirty="0">
+                <a:solidFill>
+                  <a:schemeClr val="tx1"/>
+                </a:solidFill>
+                <a:latin typeface="Arial" panose="020B0604020202020204" pitchFamily="34" charset="0"/>
+                <a:cs typeface="Arial" panose="020B0604020202020204" pitchFamily="34" charset="0"/>
+              </a:rPr>
+              <a:t>()</a:t>
+            </a:r>
+          </a:p>
+          <a:p>
+            <a:endParaRPr lang="de-CH" sz="800" b="1" dirty="0">
+              <a:solidFill>
+                <a:schemeClr val="tx1"/>
+              </a:solidFill>
+              <a:latin typeface="Arial" panose="020B0604020202020204" pitchFamily="34" charset="0"/>
+              <a:cs typeface="Arial" panose="020B0604020202020204" pitchFamily="34" charset="0"/>
+            </a:endParaRPr>
+          </a:p>
+          <a:p>
+            <a:r>
+              <a:rPr lang="de-CH" sz="800" b="1" dirty="0" err="1">
+                <a:solidFill>
+                  <a:schemeClr val="tx1"/>
+                </a:solidFill>
+                <a:latin typeface="Arial" panose="020B0604020202020204" pitchFamily="34" charset="0"/>
+                <a:cs typeface="Arial" panose="020B0604020202020204" pitchFamily="34" charset="0"/>
+              </a:rPr>
+              <a:t>WebLoginLogout.createLoginLogoutControlsAfterLoadOfXml</a:t>
+            </a:r>
+            <a:endParaRPr lang="de-CH" sz="800" b="1" dirty="0">
+              <a:solidFill>
+                <a:schemeClr val="tx1"/>
+              </a:solidFill>
+              <a:latin typeface="Arial" panose="020B0604020202020204" pitchFamily="34" charset="0"/>
+              <a:cs typeface="Arial" panose="020B0604020202020204" pitchFamily="34" charset="0"/>
+            </a:endParaRPr>
+          </a:p>
+        </p:txBody>
+      </p:sp>
+      <p:sp>
+        <p:nvSpPr>
+          <p:cNvPr id="7" name="Rechteck 6">
+            <a:extLst>
+              <a:ext uri="{FF2B5EF4-FFF2-40B4-BE49-F238E27FC236}">
+                <a16:creationId xmlns:a16="http://schemas.microsoft.com/office/drawing/2014/main" id="{BD1DA57B-A55D-3BD7-1D9C-800EB9EE07A0}"/>
+              </a:ext>
+            </a:extLst>
+          </p:cNvPr>
+          <p:cNvSpPr/>
+          <p:nvPr/>
+        </p:nvSpPr>
+        <p:spPr>
+          <a:xfrm>
+            <a:off x="831936" y="2868613"/>
+            <a:ext cx="4197262" cy="791736"/>
+          </a:xfrm>
+          <a:prstGeom prst="rect">
+            <a:avLst/>
+          </a:prstGeom>
+          <a:solidFill>
+            <a:schemeClr val="accent1">
+              <a:lumMod val="40000"/>
+              <a:lumOff val="60000"/>
+            </a:schemeClr>
+          </a:solidFill>
+          <a:ln>
+            <a:solidFill>
+              <a:schemeClr val="tx2">
+                <a:lumMod val="20000"/>
+                <a:lumOff val="80000"/>
+              </a:schemeClr>
+            </a:solidFill>
+          </a:ln>
+        </p:spPr>
+        <p:style>
+          <a:lnRef idx="2">
+            <a:schemeClr val="accent1">
+              <a:shade val="50000"/>
+            </a:schemeClr>
+          </a:lnRef>
+          <a:fillRef idx="1">
+            <a:schemeClr val="accent1"/>
+          </a:fillRef>
+          <a:effectRef idx="0">
+            <a:schemeClr val="accent1"/>
+          </a:effectRef>
+          <a:fontRef idx="minor">
+            <a:schemeClr val="lt1"/>
+          </a:fontRef>
+        </p:style>
+        <p:txBody>
+          <a:bodyPr rtlCol="0" anchor="ctr"/>
+          <a:lstStyle/>
+          <a:p>
+            <a:r>
+              <a:rPr lang="de-CH" sz="1000" b="1" dirty="0" err="1">
+                <a:solidFill>
+                  <a:schemeClr val="tx1"/>
+                </a:solidFill>
+                <a:latin typeface="Arial" panose="020B0604020202020204" pitchFamily="34" charset="0"/>
+                <a:cs typeface="Arial" panose="020B0604020202020204" pitchFamily="34" charset="0"/>
+              </a:rPr>
+              <a:t>initTestAfterControls</a:t>
+            </a:r>
+            <a:r>
+              <a:rPr lang="de-CH" sz="1000" b="1" dirty="0">
+                <a:solidFill>
+                  <a:schemeClr val="tx1"/>
+                </a:solidFill>
+                <a:latin typeface="Arial" panose="020B0604020202020204" pitchFamily="34" charset="0"/>
+                <a:cs typeface="Arial" panose="020B0604020202020204" pitchFamily="34" charset="0"/>
+              </a:rPr>
+              <a:t>()</a:t>
+            </a:r>
+          </a:p>
+          <a:p>
+            <a:endParaRPr lang="de-CH" sz="800" b="1" dirty="0">
+              <a:solidFill>
+                <a:schemeClr val="tx1"/>
+              </a:solidFill>
+              <a:latin typeface="Arial" panose="020B0604020202020204" pitchFamily="34" charset="0"/>
+              <a:cs typeface="Arial" panose="020B0604020202020204" pitchFamily="34" charset="0"/>
+            </a:endParaRPr>
+          </a:p>
+          <a:p>
+            <a:r>
+              <a:rPr lang="de-CH" sz="800" b="1" dirty="0">
+                <a:solidFill>
+                  <a:schemeClr val="tx1"/>
+                </a:solidFill>
+                <a:latin typeface="Arial" panose="020B0604020202020204" pitchFamily="34" charset="0"/>
+                <a:cs typeface="Arial" panose="020B0604020202020204" pitchFamily="34" charset="0"/>
+              </a:rPr>
+              <a:t>Hide </a:t>
+            </a:r>
+            <a:r>
+              <a:rPr lang="de-CH" sz="800" b="1" dirty="0" err="1">
+                <a:solidFill>
+                  <a:schemeClr val="tx1"/>
+                </a:solidFill>
+                <a:latin typeface="Arial" panose="020B0604020202020204" pitchFamily="34" charset="0"/>
+                <a:cs typeface="Arial" panose="020B0604020202020204" pitchFamily="34" charset="0"/>
+              </a:rPr>
+              <a:t>or</a:t>
+            </a:r>
+            <a:r>
+              <a:rPr lang="de-CH" sz="800" b="1" dirty="0">
+                <a:solidFill>
+                  <a:schemeClr val="tx1"/>
+                </a:solidFill>
+                <a:latin typeface="Arial" panose="020B0604020202020204" pitchFamily="34" charset="0"/>
+                <a:cs typeface="Arial" panose="020B0604020202020204" pitchFamily="34" charset="0"/>
+              </a:rPr>
+              <a:t> </a:t>
+            </a:r>
+            <a:r>
+              <a:rPr lang="de-CH" sz="800" b="1" dirty="0" err="1">
+                <a:solidFill>
+                  <a:schemeClr val="tx1"/>
+                </a:solidFill>
+                <a:latin typeface="Arial" panose="020B0604020202020204" pitchFamily="34" charset="0"/>
+                <a:cs typeface="Arial" panose="020B0604020202020204" pitchFamily="34" charset="0"/>
+              </a:rPr>
+              <a:t>display</a:t>
+            </a:r>
+            <a:r>
+              <a:rPr lang="de-CH" sz="800" b="1" dirty="0">
+                <a:solidFill>
+                  <a:schemeClr val="tx1"/>
+                </a:solidFill>
+                <a:latin typeface="Arial" panose="020B0604020202020204" pitchFamily="34" charset="0"/>
+                <a:cs typeface="Arial" panose="020B0604020202020204" pitchFamily="34" charset="0"/>
+              </a:rPr>
+              <a:t> </a:t>
+            </a:r>
+            <a:r>
+              <a:rPr lang="de-CH" sz="800" b="1" dirty="0" err="1">
+                <a:solidFill>
+                  <a:schemeClr val="tx1"/>
+                </a:solidFill>
+                <a:latin typeface="Arial" panose="020B0604020202020204" pitchFamily="34" charset="0"/>
+                <a:cs typeface="Arial" panose="020B0604020202020204" pitchFamily="34" charset="0"/>
+              </a:rPr>
+              <a:t>elements</a:t>
+            </a:r>
+            <a:r>
+              <a:rPr lang="de-CH" sz="800" b="1" dirty="0">
+                <a:solidFill>
+                  <a:schemeClr val="tx1"/>
+                </a:solidFill>
+                <a:latin typeface="Arial" panose="020B0604020202020204" pitchFamily="34" charset="0"/>
+                <a:cs typeface="Arial" panose="020B0604020202020204" pitchFamily="34" charset="0"/>
+              </a:rPr>
+              <a:t> </a:t>
+            </a:r>
+            <a:r>
+              <a:rPr lang="de-CH" sz="800" b="1" dirty="0" err="1">
+                <a:solidFill>
+                  <a:schemeClr val="tx1"/>
+                </a:solidFill>
+                <a:latin typeface="Arial" panose="020B0604020202020204" pitchFamily="34" charset="0"/>
+                <a:cs typeface="Arial" panose="020B0604020202020204" pitchFamily="34" charset="0"/>
+              </a:rPr>
+              <a:t>depending</a:t>
+            </a:r>
+            <a:r>
+              <a:rPr lang="de-CH" sz="800" b="1" dirty="0">
+                <a:solidFill>
+                  <a:schemeClr val="tx1"/>
+                </a:solidFill>
+                <a:latin typeface="Arial" panose="020B0604020202020204" pitchFamily="34" charset="0"/>
+                <a:cs typeface="Arial" panose="020B0604020202020204" pitchFamily="34" charset="0"/>
+              </a:rPr>
+              <a:t> on </a:t>
+            </a:r>
+            <a:r>
+              <a:rPr lang="de-CH" sz="800" b="1" dirty="0" err="1">
+                <a:solidFill>
+                  <a:schemeClr val="tx1"/>
+                </a:solidFill>
+                <a:latin typeface="Arial" panose="020B0604020202020204" pitchFamily="34" charset="0"/>
+                <a:cs typeface="Arial" panose="020B0604020202020204" pitchFamily="34" charset="0"/>
+              </a:rPr>
+              <a:t>if</a:t>
+            </a:r>
+            <a:r>
+              <a:rPr lang="de-CH" sz="800" b="1" dirty="0">
+                <a:solidFill>
+                  <a:schemeClr val="tx1"/>
+                </a:solidFill>
+                <a:latin typeface="Arial" panose="020B0604020202020204" pitchFamily="34" charset="0"/>
+                <a:cs typeface="Arial" panose="020B0604020202020204" pitchFamily="34" charset="0"/>
+              </a:rPr>
+              <a:t> </a:t>
+            </a:r>
+            <a:r>
+              <a:rPr lang="de-CH" sz="800" b="1" dirty="0" err="1">
+                <a:solidFill>
+                  <a:schemeClr val="tx1"/>
+                </a:solidFill>
+                <a:latin typeface="Arial" panose="020B0604020202020204" pitchFamily="34" charset="0"/>
+                <a:cs typeface="Arial" panose="020B0604020202020204" pitchFamily="34" charset="0"/>
+              </a:rPr>
+              <a:t>the</a:t>
+            </a:r>
+            <a:r>
+              <a:rPr lang="de-CH" sz="800" b="1" dirty="0">
+                <a:solidFill>
+                  <a:schemeClr val="tx1"/>
+                </a:solidFill>
+                <a:latin typeface="Arial" panose="020B0604020202020204" pitchFamily="34" charset="0"/>
+                <a:cs typeface="Arial" panose="020B0604020202020204" pitchFamily="34" charset="0"/>
+              </a:rPr>
+              <a:t> </a:t>
+            </a:r>
+            <a:r>
+              <a:rPr lang="de-CH" sz="800" b="1" dirty="0" err="1">
+                <a:solidFill>
+                  <a:schemeClr val="tx1"/>
+                </a:solidFill>
+                <a:latin typeface="Arial" panose="020B0604020202020204" pitchFamily="34" charset="0"/>
+                <a:cs typeface="Arial" panose="020B0604020202020204" pitchFamily="34" charset="0"/>
+              </a:rPr>
+              <a:t>user</a:t>
+            </a:r>
+            <a:r>
+              <a:rPr lang="de-CH" sz="800" b="1" dirty="0">
+                <a:solidFill>
+                  <a:schemeClr val="tx1"/>
+                </a:solidFill>
+                <a:latin typeface="Arial" panose="020B0604020202020204" pitchFamily="34" charset="0"/>
+                <a:cs typeface="Arial" panose="020B0604020202020204" pitchFamily="34" charset="0"/>
+              </a:rPr>
+              <a:t> </a:t>
+            </a:r>
+            <a:r>
+              <a:rPr lang="de-CH" sz="800" b="1" dirty="0" err="1">
+                <a:solidFill>
+                  <a:schemeClr val="tx1"/>
+                </a:solidFill>
+                <a:latin typeface="Arial" panose="020B0604020202020204" pitchFamily="34" charset="0"/>
+                <a:cs typeface="Arial" panose="020B0604020202020204" pitchFamily="34" charset="0"/>
+              </a:rPr>
+              <a:t>has</a:t>
+            </a:r>
+            <a:r>
+              <a:rPr lang="de-CH" sz="800" b="1" dirty="0">
+                <a:solidFill>
+                  <a:schemeClr val="tx1"/>
+                </a:solidFill>
+                <a:latin typeface="Arial" panose="020B0604020202020204" pitchFamily="34" charset="0"/>
+                <a:cs typeface="Arial" panose="020B0604020202020204" pitchFamily="34" charset="0"/>
+              </a:rPr>
+              <a:t> </a:t>
+            </a:r>
+            <a:r>
+              <a:rPr lang="de-CH" sz="800" b="1" dirty="0" err="1">
+                <a:solidFill>
+                  <a:schemeClr val="tx1"/>
+                </a:solidFill>
+                <a:latin typeface="Arial" panose="020B0604020202020204" pitchFamily="34" charset="0"/>
+                <a:cs typeface="Arial" panose="020B0604020202020204" pitchFamily="34" charset="0"/>
+              </a:rPr>
+              <a:t>logged</a:t>
+            </a:r>
+            <a:r>
+              <a:rPr lang="de-CH" sz="800" b="1" dirty="0">
+                <a:solidFill>
+                  <a:schemeClr val="tx1"/>
+                </a:solidFill>
+                <a:latin typeface="Arial" panose="020B0604020202020204" pitchFamily="34" charset="0"/>
+                <a:cs typeface="Arial" panose="020B0604020202020204" pitchFamily="34" charset="0"/>
+              </a:rPr>
+              <a:t> in </a:t>
+            </a:r>
+            <a:r>
+              <a:rPr lang="de-CH" sz="800" b="1" dirty="0" err="1">
+                <a:solidFill>
+                  <a:schemeClr val="tx1"/>
+                </a:solidFill>
+                <a:latin typeface="Arial" panose="020B0604020202020204" pitchFamily="34" charset="0"/>
+                <a:cs typeface="Arial" panose="020B0604020202020204" pitchFamily="34" charset="0"/>
+              </a:rPr>
+              <a:t>or</a:t>
+            </a:r>
+            <a:r>
+              <a:rPr lang="de-CH" sz="800" b="1" dirty="0">
+                <a:solidFill>
+                  <a:schemeClr val="tx1"/>
+                </a:solidFill>
+                <a:latin typeface="Arial" panose="020B0604020202020204" pitchFamily="34" charset="0"/>
+                <a:cs typeface="Arial" panose="020B0604020202020204" pitchFamily="34" charset="0"/>
+              </a:rPr>
+              <a:t> not</a:t>
+            </a:r>
+          </a:p>
+        </p:txBody>
+      </p:sp>
+      <p:sp>
+        <p:nvSpPr>
+          <p:cNvPr id="8" name="Textfeld 7">
+            <a:extLst>
+              <a:ext uri="{FF2B5EF4-FFF2-40B4-BE49-F238E27FC236}">
+                <a16:creationId xmlns:a16="http://schemas.microsoft.com/office/drawing/2014/main" id="{6E1CE31F-F836-0F25-0A92-5879B73E5D4A}"/>
+              </a:ext>
+            </a:extLst>
+          </p:cNvPr>
+          <p:cNvSpPr txBox="1"/>
+          <p:nvPr/>
+        </p:nvSpPr>
+        <p:spPr>
+          <a:xfrm>
+            <a:off x="751703" y="161450"/>
+            <a:ext cx="3387812" cy="307777"/>
+          </a:xfrm>
+          <a:prstGeom prst="rect">
+            <a:avLst/>
+          </a:prstGeom>
+          <a:noFill/>
+        </p:spPr>
+        <p:txBody>
+          <a:bodyPr wrap="square" rtlCol="0">
+            <a:spAutoFit/>
+          </a:bodyPr>
+          <a:lstStyle/>
+          <a:p>
+            <a:r>
+              <a:rPr lang="de-CH" sz="1400" b="1" dirty="0" err="1">
+                <a:latin typeface="Arial" panose="020B0604020202020204" pitchFamily="34" charset="0"/>
+                <a:cs typeface="Arial" panose="020B0604020202020204" pitchFamily="34" charset="0"/>
+              </a:rPr>
+              <a:t>Application</a:t>
+            </a:r>
+            <a:r>
+              <a:rPr lang="de-CH" sz="1400" b="1" dirty="0">
+                <a:latin typeface="Arial" panose="020B0604020202020204" pitchFamily="34" charset="0"/>
+                <a:cs typeface="Arial" panose="020B0604020202020204" pitchFamily="34" charset="0"/>
+              </a:rPr>
+              <a:t> (Main.js)</a:t>
+            </a:r>
+          </a:p>
+        </p:txBody>
+      </p:sp>
+      <p:sp>
+        <p:nvSpPr>
+          <p:cNvPr id="11" name="Rechteck 10">
+            <a:extLst>
+              <a:ext uri="{FF2B5EF4-FFF2-40B4-BE49-F238E27FC236}">
+                <a16:creationId xmlns:a16="http://schemas.microsoft.com/office/drawing/2014/main" id="{49D95D92-7299-64D6-A1F9-9E577CE40B16}"/>
+              </a:ext>
+            </a:extLst>
+          </p:cNvPr>
+          <p:cNvSpPr/>
+          <p:nvPr/>
+        </p:nvSpPr>
+        <p:spPr>
+          <a:xfrm>
+            <a:off x="5504934" y="462309"/>
+            <a:ext cx="5779051" cy="4753848"/>
+          </a:xfrm>
+          <a:prstGeom prst="rect">
+            <a:avLst/>
+          </a:prstGeom>
+          <a:noFill/>
+          <a:ln>
+            <a:solidFill>
+              <a:schemeClr val="tx1"/>
+            </a:solidFill>
+          </a:ln>
+        </p:spPr>
+        <p:style>
+          <a:lnRef idx="2">
+            <a:schemeClr val="accent1">
+              <a:shade val="50000"/>
+            </a:schemeClr>
+          </a:lnRef>
+          <a:fillRef idx="1">
+            <a:schemeClr val="accent1"/>
+          </a:fillRef>
+          <a:effectRef idx="0">
+            <a:schemeClr val="accent1"/>
+          </a:effectRef>
+          <a:fontRef idx="minor">
+            <a:schemeClr val="lt1"/>
+          </a:fontRef>
+        </p:style>
+        <p:txBody>
+          <a:bodyPr rtlCol="0" anchor="ctr"/>
+          <a:lstStyle/>
+          <a:p>
+            <a:pPr algn="ctr"/>
+            <a:endParaRPr lang="de-CH"/>
+          </a:p>
+        </p:txBody>
+      </p:sp>
+      <p:sp>
+        <p:nvSpPr>
+          <p:cNvPr id="12" name="Textfeld 11">
+            <a:extLst>
+              <a:ext uri="{FF2B5EF4-FFF2-40B4-BE49-F238E27FC236}">
+                <a16:creationId xmlns:a16="http://schemas.microsoft.com/office/drawing/2014/main" id="{A6E1045D-C2EA-B4CB-6804-C34DFAAFEF95}"/>
+              </a:ext>
+            </a:extLst>
+          </p:cNvPr>
+          <p:cNvSpPr txBox="1"/>
+          <p:nvPr/>
+        </p:nvSpPr>
+        <p:spPr>
+          <a:xfrm>
+            <a:off x="5421528" y="68943"/>
+            <a:ext cx="2888185" cy="307777"/>
+          </a:xfrm>
+          <a:prstGeom prst="rect">
+            <a:avLst/>
+          </a:prstGeom>
+          <a:noFill/>
+        </p:spPr>
+        <p:txBody>
+          <a:bodyPr wrap="square" rtlCol="0">
+            <a:spAutoFit/>
+          </a:bodyPr>
+          <a:lstStyle/>
+          <a:p>
+            <a:r>
+              <a:rPr lang="de-CH" sz="1400" b="1" dirty="0">
+                <a:latin typeface="Arial" panose="020B0604020202020204" pitchFamily="34" charset="0"/>
+                <a:cs typeface="Arial" panose="020B0604020202020204" pitchFamily="34" charset="0"/>
+              </a:rPr>
+              <a:t>Class </a:t>
+            </a:r>
+            <a:r>
+              <a:rPr lang="de-CH" sz="1400" b="1" dirty="0" err="1">
+                <a:latin typeface="Arial" panose="020B0604020202020204" pitchFamily="34" charset="0"/>
+                <a:cs typeface="Arial" panose="020B0604020202020204" pitchFamily="34" charset="0"/>
+              </a:rPr>
+              <a:t>WebLoginLogout</a:t>
+            </a:r>
+            <a:r>
+              <a:rPr lang="de-CH" sz="1400" b="1" dirty="0">
+                <a:latin typeface="Arial" panose="020B0604020202020204" pitchFamily="34" charset="0"/>
+                <a:cs typeface="Arial" panose="020B0604020202020204" pitchFamily="34" charset="0"/>
+              </a:rPr>
+              <a:t> </a:t>
+            </a:r>
+          </a:p>
+        </p:txBody>
+      </p:sp>
+      <p:sp>
+        <p:nvSpPr>
+          <p:cNvPr id="13" name="Rechteck 12">
+            <a:extLst>
+              <a:ext uri="{FF2B5EF4-FFF2-40B4-BE49-F238E27FC236}">
+                <a16:creationId xmlns:a16="http://schemas.microsoft.com/office/drawing/2014/main" id="{E1D8AAA4-9CBD-8A50-4711-8FF59374709A}"/>
+              </a:ext>
+            </a:extLst>
+          </p:cNvPr>
+          <p:cNvSpPr/>
+          <p:nvPr/>
+        </p:nvSpPr>
+        <p:spPr>
+          <a:xfrm>
+            <a:off x="5642989" y="836748"/>
+            <a:ext cx="5457876" cy="316012"/>
+          </a:xfrm>
+          <a:prstGeom prst="rect">
+            <a:avLst/>
+          </a:prstGeom>
+          <a:solidFill>
+            <a:schemeClr val="accent2"/>
+          </a:solidFill>
+          <a:ln>
+            <a:solidFill>
+              <a:schemeClr val="tx1"/>
+            </a:solidFill>
+          </a:ln>
+        </p:spPr>
+        <p:style>
+          <a:lnRef idx="2">
+            <a:schemeClr val="accent1">
+              <a:shade val="50000"/>
+            </a:schemeClr>
+          </a:lnRef>
+          <a:fillRef idx="1">
+            <a:schemeClr val="accent1"/>
+          </a:fillRef>
+          <a:effectRef idx="0">
+            <a:schemeClr val="accent1"/>
+          </a:effectRef>
+          <a:fontRef idx="minor">
+            <a:schemeClr val="lt1"/>
+          </a:fontRef>
+        </p:style>
+        <p:txBody>
+          <a:bodyPr rtlCol="0" anchor="ctr"/>
+          <a:lstStyle/>
+          <a:p>
+            <a:r>
+              <a:rPr lang="de-CH" sz="1000" b="1" dirty="0" err="1">
+                <a:solidFill>
+                  <a:schemeClr val="tx1"/>
+                </a:solidFill>
+                <a:latin typeface="Arial" panose="020B0604020202020204" pitchFamily="34" charset="0"/>
+                <a:cs typeface="Arial" panose="020B0604020202020204" pitchFamily="34" charset="0"/>
+              </a:rPr>
+              <a:t>m_user_name_object</a:t>
+            </a:r>
+            <a:r>
+              <a:rPr lang="de-CH" sz="1000" b="1" dirty="0">
+                <a:solidFill>
+                  <a:schemeClr val="tx1"/>
+                </a:solidFill>
+                <a:latin typeface="Arial" panose="020B0604020202020204" pitchFamily="34" charset="0"/>
+                <a:cs typeface="Arial" panose="020B0604020202020204" pitchFamily="34" charset="0"/>
+              </a:rPr>
+              <a:t>  </a:t>
+            </a:r>
+            <a:r>
+              <a:rPr lang="de-CH" sz="1000" b="1" dirty="0" err="1">
+                <a:solidFill>
+                  <a:schemeClr val="tx1"/>
+                </a:solidFill>
+                <a:latin typeface="Arial" panose="020B0604020202020204" pitchFamily="34" charset="0"/>
+                <a:cs typeface="Arial" panose="020B0604020202020204" pitchFamily="34" charset="0"/>
+              </a:rPr>
+              <a:t>JazzUserName</a:t>
+            </a:r>
+            <a:r>
+              <a:rPr lang="de-CH" sz="1000" b="1" dirty="0">
+                <a:solidFill>
+                  <a:schemeClr val="tx1"/>
+                </a:solidFill>
+                <a:latin typeface="Arial" panose="020B0604020202020204" pitchFamily="34" charset="0"/>
+                <a:cs typeface="Arial" panose="020B0604020202020204" pitchFamily="34" charset="0"/>
+              </a:rPr>
+              <a:t> </a:t>
+            </a:r>
+            <a:r>
+              <a:rPr lang="de-CH" sz="1000" b="1" dirty="0" err="1">
+                <a:solidFill>
+                  <a:schemeClr val="tx1"/>
+                </a:solidFill>
+                <a:latin typeface="Arial" panose="020B0604020202020204" pitchFamily="34" charset="0"/>
+                <a:cs typeface="Arial" panose="020B0604020202020204" pitchFamily="34" charset="0"/>
+              </a:rPr>
+              <a:t>GetUserNameObject</a:t>
+            </a:r>
+            <a:r>
+              <a:rPr lang="de-CH" sz="1000" b="1" dirty="0">
+                <a:solidFill>
+                  <a:schemeClr val="tx1"/>
+                </a:solidFill>
+                <a:latin typeface="Arial" panose="020B0604020202020204" pitchFamily="34" charset="0"/>
+                <a:cs typeface="Arial" panose="020B0604020202020204" pitchFamily="34" charset="0"/>
+              </a:rPr>
+              <a:t>()</a:t>
+            </a:r>
+          </a:p>
+        </p:txBody>
+      </p:sp>
+      <p:sp>
+        <p:nvSpPr>
+          <p:cNvPr id="14" name="Rechteck 13">
+            <a:extLst>
+              <a:ext uri="{FF2B5EF4-FFF2-40B4-BE49-F238E27FC236}">
+                <a16:creationId xmlns:a16="http://schemas.microsoft.com/office/drawing/2014/main" id="{7115921A-9958-9761-3D3E-80A57C35D36B}"/>
+              </a:ext>
+            </a:extLst>
+          </p:cNvPr>
+          <p:cNvSpPr/>
+          <p:nvPr/>
+        </p:nvSpPr>
+        <p:spPr>
+          <a:xfrm>
+            <a:off x="5653114" y="1170378"/>
+            <a:ext cx="5468001" cy="301993"/>
+          </a:xfrm>
+          <a:prstGeom prst="rect">
+            <a:avLst/>
+          </a:prstGeom>
+          <a:solidFill>
+            <a:schemeClr val="accent2"/>
+          </a:solidFill>
+          <a:ln>
+            <a:solidFill>
+              <a:schemeClr val="tx1"/>
+            </a:solidFill>
+          </a:ln>
+        </p:spPr>
+        <p:style>
+          <a:lnRef idx="2">
+            <a:schemeClr val="accent1">
+              <a:shade val="50000"/>
+            </a:schemeClr>
+          </a:lnRef>
+          <a:fillRef idx="1">
+            <a:schemeClr val="accent1"/>
+          </a:fillRef>
+          <a:effectRef idx="0">
+            <a:schemeClr val="accent1"/>
+          </a:effectRef>
+          <a:fontRef idx="minor">
+            <a:schemeClr val="lt1"/>
+          </a:fontRef>
+        </p:style>
+        <p:txBody>
+          <a:bodyPr rtlCol="0" anchor="ctr"/>
+          <a:lstStyle/>
+          <a:p>
+            <a:r>
+              <a:rPr lang="de-CH" sz="1000" b="1" dirty="0" err="1">
+                <a:solidFill>
+                  <a:schemeClr val="tx1"/>
+                </a:solidFill>
+                <a:latin typeface="Arial" panose="020B0604020202020204" pitchFamily="34" charset="0"/>
+                <a:cs typeface="Arial" panose="020B0604020202020204" pitchFamily="34" charset="0"/>
+              </a:rPr>
+              <a:t>m_login_logout</a:t>
+            </a:r>
+            <a:r>
+              <a:rPr lang="de-CH" sz="1000" b="1" dirty="0">
+                <a:solidFill>
+                  <a:schemeClr val="tx1"/>
+                </a:solidFill>
+                <a:latin typeface="Arial" panose="020B0604020202020204" pitchFamily="34" charset="0"/>
+                <a:cs typeface="Arial" panose="020B0604020202020204" pitchFamily="34" charset="0"/>
+              </a:rPr>
+              <a:t>  </a:t>
+            </a:r>
+            <a:r>
+              <a:rPr lang="de-CH" sz="1000" b="1" dirty="0" err="1">
+                <a:solidFill>
+                  <a:schemeClr val="tx1"/>
+                </a:solidFill>
+                <a:latin typeface="Arial" panose="020B0604020202020204" pitchFamily="34" charset="0"/>
+                <a:cs typeface="Arial" panose="020B0604020202020204" pitchFamily="34" charset="0"/>
+              </a:rPr>
+              <a:t>LoginLogout</a:t>
+            </a:r>
+            <a:r>
+              <a:rPr lang="de-CH" sz="1000" b="1" dirty="0">
+                <a:solidFill>
+                  <a:schemeClr val="tx1"/>
+                </a:solidFill>
+                <a:latin typeface="Arial" panose="020B0604020202020204" pitchFamily="34" charset="0"/>
+                <a:cs typeface="Arial" panose="020B0604020202020204" pitchFamily="34" charset="0"/>
+              </a:rPr>
+              <a:t> </a:t>
+            </a:r>
+            <a:r>
+              <a:rPr lang="de-CH" sz="1000" b="1" dirty="0" err="1">
+                <a:solidFill>
+                  <a:schemeClr val="tx1"/>
+                </a:solidFill>
+                <a:latin typeface="Arial" panose="020B0604020202020204" pitchFamily="34" charset="0"/>
+                <a:cs typeface="Arial" panose="020B0604020202020204" pitchFamily="34" charset="0"/>
+              </a:rPr>
+              <a:t>GetLoginLogoutObject</a:t>
+            </a:r>
+            <a:r>
+              <a:rPr lang="de-CH" sz="1000" b="1" dirty="0">
+                <a:solidFill>
+                  <a:schemeClr val="tx1"/>
+                </a:solidFill>
+                <a:latin typeface="Arial" panose="020B0604020202020204" pitchFamily="34" charset="0"/>
+                <a:cs typeface="Arial" panose="020B0604020202020204" pitchFamily="34" charset="0"/>
+              </a:rPr>
+              <a:t>()</a:t>
+            </a:r>
+          </a:p>
+        </p:txBody>
+      </p:sp>
+      <p:sp>
+        <p:nvSpPr>
+          <p:cNvPr id="15" name="Rechteck 14">
+            <a:extLst>
+              <a:ext uri="{FF2B5EF4-FFF2-40B4-BE49-F238E27FC236}">
+                <a16:creationId xmlns:a16="http://schemas.microsoft.com/office/drawing/2014/main" id="{F513378B-92C1-AD62-CCD3-68AF93C0C2B0}"/>
+              </a:ext>
+            </a:extLst>
+          </p:cNvPr>
+          <p:cNvSpPr/>
+          <p:nvPr/>
+        </p:nvSpPr>
+        <p:spPr>
+          <a:xfrm>
+            <a:off x="5653114" y="2576374"/>
+            <a:ext cx="5447751" cy="475745"/>
+          </a:xfrm>
+          <a:prstGeom prst="rect">
+            <a:avLst/>
+          </a:prstGeom>
+          <a:solidFill>
+            <a:schemeClr val="accent1">
+              <a:lumMod val="40000"/>
+              <a:lumOff val="60000"/>
+            </a:schemeClr>
+          </a:solidFill>
+          <a:ln>
+            <a:solidFill>
+              <a:schemeClr val="tx2">
+                <a:lumMod val="20000"/>
+                <a:lumOff val="80000"/>
+              </a:schemeClr>
+            </a:solidFill>
+          </a:ln>
+        </p:spPr>
+        <p:style>
+          <a:lnRef idx="2">
+            <a:schemeClr val="accent1">
+              <a:shade val="50000"/>
+            </a:schemeClr>
+          </a:lnRef>
+          <a:fillRef idx="1">
+            <a:schemeClr val="accent1"/>
+          </a:fillRef>
+          <a:effectRef idx="0">
+            <a:schemeClr val="accent1"/>
+          </a:effectRef>
+          <a:fontRef idx="minor">
+            <a:schemeClr val="lt1"/>
+          </a:fontRef>
+        </p:style>
+        <p:txBody>
+          <a:bodyPr rtlCol="0" anchor="ctr"/>
+          <a:lstStyle/>
+          <a:p>
+            <a:r>
+              <a:rPr lang="de-CH" sz="1000" b="1" dirty="0" err="1">
+                <a:solidFill>
+                  <a:schemeClr val="tx1"/>
+                </a:solidFill>
+                <a:latin typeface="Arial" panose="020B0604020202020204" pitchFamily="34" charset="0"/>
+                <a:cs typeface="Arial" panose="020B0604020202020204" pitchFamily="34" charset="0"/>
+              </a:rPr>
+              <a:t>loadXml</a:t>
+            </a:r>
+            <a:r>
+              <a:rPr lang="de-CH" sz="1000" b="1" dirty="0">
+                <a:solidFill>
+                  <a:schemeClr val="tx1"/>
+                </a:solidFill>
+                <a:latin typeface="Arial" panose="020B0604020202020204" pitchFamily="34" charset="0"/>
+                <a:cs typeface="Arial" panose="020B0604020202020204" pitchFamily="34" charset="0"/>
+              </a:rPr>
+              <a:t>()</a:t>
+            </a:r>
+          </a:p>
+          <a:p>
+            <a:endParaRPr lang="de-CH" sz="800" b="1" dirty="0">
+              <a:solidFill>
+                <a:schemeClr val="tx1"/>
+              </a:solidFill>
+              <a:latin typeface="Arial" panose="020B0604020202020204" pitchFamily="34" charset="0"/>
+              <a:cs typeface="Arial" panose="020B0604020202020204" pitchFamily="34" charset="0"/>
+            </a:endParaRPr>
+          </a:p>
+          <a:p>
+            <a:r>
+              <a:rPr lang="de-CH" sz="800" b="1" dirty="0">
+                <a:solidFill>
+                  <a:schemeClr val="tx1"/>
+                </a:solidFill>
+                <a:latin typeface="Arial" panose="020B0604020202020204" pitchFamily="34" charset="0"/>
+                <a:cs typeface="Arial" panose="020B0604020202020204" pitchFamily="34" charset="0"/>
+              </a:rPr>
+              <a:t>Create </a:t>
+            </a:r>
+            <a:r>
+              <a:rPr lang="de-CH" sz="800" b="1" dirty="0" err="1">
+                <a:solidFill>
+                  <a:schemeClr val="tx1"/>
+                </a:solidFill>
+                <a:latin typeface="Arial" panose="020B0604020202020204" pitchFamily="34" charset="0"/>
+                <a:cs typeface="Arial" panose="020B0604020202020204" pitchFamily="34" charset="0"/>
+              </a:rPr>
+              <a:t>JazzApplicationXml</a:t>
+            </a:r>
+            <a:r>
+              <a:rPr lang="de-CH" sz="800" b="1" dirty="0">
+                <a:solidFill>
+                  <a:schemeClr val="tx1"/>
+                </a:solidFill>
+                <a:latin typeface="Arial" panose="020B0604020202020204" pitchFamily="34" charset="0"/>
+                <a:cs typeface="Arial" panose="020B0604020202020204" pitchFamily="34" charset="0"/>
+              </a:rPr>
+              <a:t>. Set </a:t>
+            </a:r>
+            <a:r>
+              <a:rPr lang="de-CH" sz="800" b="1" dirty="0" err="1">
+                <a:solidFill>
+                  <a:schemeClr val="tx1"/>
+                </a:solidFill>
+                <a:latin typeface="Arial" panose="020B0604020202020204" pitchFamily="34" charset="0"/>
+                <a:cs typeface="Arial" panose="020B0604020202020204" pitchFamily="34" charset="0"/>
+              </a:rPr>
+              <a:t>m_application_name</a:t>
+            </a:r>
+            <a:r>
+              <a:rPr lang="de-CH" sz="800" b="1" dirty="0">
+                <a:solidFill>
+                  <a:schemeClr val="tx1"/>
+                </a:solidFill>
+                <a:latin typeface="Arial" panose="020B0604020202020204" pitchFamily="34" charset="0"/>
+                <a:cs typeface="Arial" panose="020B0604020202020204" pitchFamily="34" charset="0"/>
+              </a:rPr>
+              <a:t>. Callback </a:t>
+            </a:r>
+            <a:r>
+              <a:rPr lang="de-CH" sz="800" b="1" dirty="0" err="1">
+                <a:solidFill>
+                  <a:schemeClr val="tx1"/>
+                </a:solidFill>
+                <a:latin typeface="Arial" panose="020B0604020202020204" pitchFamily="34" charset="0"/>
+                <a:cs typeface="Arial" panose="020B0604020202020204" pitchFamily="34" charset="0"/>
+              </a:rPr>
+              <a:t>WebLoginLogout.m_callback_function_name</a:t>
+            </a:r>
+            <a:endParaRPr lang="de-CH" sz="800" b="1" dirty="0">
+              <a:solidFill>
+                <a:schemeClr val="tx1"/>
+              </a:solidFill>
+              <a:latin typeface="Arial" panose="020B0604020202020204" pitchFamily="34" charset="0"/>
+              <a:cs typeface="Arial" panose="020B0604020202020204" pitchFamily="34" charset="0"/>
+            </a:endParaRPr>
+          </a:p>
+          <a:p>
+            <a:endParaRPr lang="de-CH" sz="800" b="1" dirty="0">
+              <a:solidFill>
+                <a:schemeClr val="tx1"/>
+              </a:solidFill>
+              <a:latin typeface="Arial" panose="020B0604020202020204" pitchFamily="34" charset="0"/>
+              <a:cs typeface="Arial" panose="020B0604020202020204" pitchFamily="34" charset="0"/>
+            </a:endParaRPr>
+          </a:p>
+        </p:txBody>
+      </p:sp>
+      <p:sp>
+        <p:nvSpPr>
+          <p:cNvPr id="16" name="Rechteck 15">
+            <a:extLst>
+              <a:ext uri="{FF2B5EF4-FFF2-40B4-BE49-F238E27FC236}">
+                <a16:creationId xmlns:a16="http://schemas.microsoft.com/office/drawing/2014/main" id="{9AF9BA3E-FC51-EEAF-778A-192EE15D7DFA}"/>
+              </a:ext>
+            </a:extLst>
+          </p:cNvPr>
+          <p:cNvSpPr/>
+          <p:nvPr/>
+        </p:nvSpPr>
+        <p:spPr>
+          <a:xfrm>
+            <a:off x="5642989" y="1854424"/>
+            <a:ext cx="5457876" cy="316012"/>
+          </a:xfrm>
+          <a:prstGeom prst="rect">
+            <a:avLst/>
+          </a:prstGeom>
+          <a:solidFill>
+            <a:schemeClr val="accent2"/>
+          </a:solidFill>
+          <a:ln>
+            <a:solidFill>
+              <a:schemeClr val="tx1"/>
+            </a:solidFill>
+          </a:ln>
+        </p:spPr>
+        <p:style>
+          <a:lnRef idx="2">
+            <a:schemeClr val="accent1">
+              <a:shade val="50000"/>
+            </a:schemeClr>
+          </a:lnRef>
+          <a:fillRef idx="1">
+            <a:schemeClr val="accent1"/>
+          </a:fillRef>
+          <a:effectRef idx="0">
+            <a:schemeClr val="accent1"/>
+          </a:effectRef>
+          <a:fontRef idx="minor">
+            <a:schemeClr val="lt1"/>
+          </a:fontRef>
+        </p:style>
+        <p:txBody>
+          <a:bodyPr rtlCol="0" anchor="ctr"/>
+          <a:lstStyle/>
+          <a:p>
+            <a:r>
+              <a:rPr lang="de-CH" sz="1000" b="1" dirty="0" err="1">
+                <a:solidFill>
+                  <a:schemeClr val="tx1"/>
+                </a:solidFill>
+                <a:latin typeface="Arial" panose="020B0604020202020204" pitchFamily="34" charset="0"/>
+                <a:cs typeface="Arial" panose="020B0604020202020204" pitchFamily="34" charset="0"/>
+              </a:rPr>
+              <a:t>m_callback_function_xml</a:t>
+            </a:r>
+            <a:r>
+              <a:rPr lang="de-CH" sz="1000" b="1" dirty="0">
+                <a:solidFill>
+                  <a:schemeClr val="tx1"/>
+                </a:solidFill>
+                <a:latin typeface="Arial" panose="020B0604020202020204" pitchFamily="34" charset="0"/>
+                <a:cs typeface="Arial" panose="020B0604020202020204" pitchFamily="34" charset="0"/>
+              </a:rPr>
+              <a:t>  Callback </a:t>
+            </a:r>
+            <a:r>
+              <a:rPr lang="de-CH" sz="1000" b="1" dirty="0" err="1">
+                <a:solidFill>
+                  <a:schemeClr val="tx1"/>
+                </a:solidFill>
+                <a:latin typeface="Arial" panose="020B0604020202020204" pitchFamily="34" charset="0"/>
+                <a:cs typeface="Arial" panose="020B0604020202020204" pitchFamily="34" charset="0"/>
+              </a:rPr>
+              <a:t>function</a:t>
+            </a:r>
+            <a:r>
+              <a:rPr lang="de-CH" sz="1000" b="1" dirty="0">
+                <a:solidFill>
+                  <a:schemeClr val="tx1"/>
+                </a:solidFill>
+                <a:latin typeface="Arial" panose="020B0604020202020204" pitchFamily="34" charset="0"/>
+                <a:cs typeface="Arial" panose="020B0604020202020204" pitchFamily="34" charset="0"/>
+              </a:rPr>
+              <a:t> after </a:t>
+            </a:r>
+            <a:r>
+              <a:rPr lang="de-CH" sz="1000" b="1" dirty="0" err="1">
+                <a:solidFill>
+                  <a:schemeClr val="tx1"/>
+                </a:solidFill>
+                <a:latin typeface="Arial" panose="020B0604020202020204" pitchFamily="34" charset="0"/>
+                <a:cs typeface="Arial" panose="020B0604020202020204" pitchFamily="34" charset="0"/>
+              </a:rPr>
+              <a:t>creating</a:t>
+            </a:r>
+            <a:r>
+              <a:rPr lang="de-CH" sz="1000" b="1" dirty="0">
+                <a:solidFill>
+                  <a:schemeClr val="tx1"/>
+                </a:solidFill>
+                <a:latin typeface="Arial" panose="020B0604020202020204" pitchFamily="34" charset="0"/>
+                <a:cs typeface="Arial" panose="020B0604020202020204" pitchFamily="34" charset="0"/>
+              </a:rPr>
+              <a:t> </a:t>
+            </a:r>
+            <a:r>
+              <a:rPr lang="de-CH" sz="1000" b="1" dirty="0" err="1">
+                <a:solidFill>
+                  <a:schemeClr val="tx1"/>
+                </a:solidFill>
+                <a:latin typeface="Arial" panose="020B0604020202020204" pitchFamily="34" charset="0"/>
+                <a:cs typeface="Arial" panose="020B0604020202020204" pitchFamily="34" charset="0"/>
+              </a:rPr>
+              <a:t>JazzApplicationXml</a:t>
+            </a:r>
+            <a:r>
+              <a:rPr lang="de-CH" sz="1000" b="1" dirty="0">
+                <a:solidFill>
+                  <a:schemeClr val="tx1"/>
+                </a:solidFill>
+                <a:latin typeface="Arial" panose="020B0604020202020204" pitchFamily="34" charset="0"/>
+                <a:cs typeface="Arial" panose="020B0604020202020204" pitchFamily="34" charset="0"/>
+              </a:rPr>
+              <a:t> </a:t>
+            </a:r>
+          </a:p>
+        </p:txBody>
+      </p:sp>
+      <p:sp>
+        <p:nvSpPr>
+          <p:cNvPr id="17" name="Rechteck 16">
+            <a:extLst>
+              <a:ext uri="{FF2B5EF4-FFF2-40B4-BE49-F238E27FC236}">
+                <a16:creationId xmlns:a16="http://schemas.microsoft.com/office/drawing/2014/main" id="{49359A86-DF9C-9CFD-0388-5EB39BAF4EC3}"/>
+              </a:ext>
+            </a:extLst>
+          </p:cNvPr>
+          <p:cNvSpPr/>
+          <p:nvPr/>
+        </p:nvSpPr>
+        <p:spPr>
+          <a:xfrm>
+            <a:off x="5653114" y="1499681"/>
+            <a:ext cx="5457876" cy="316012"/>
+          </a:xfrm>
+          <a:prstGeom prst="rect">
+            <a:avLst/>
+          </a:prstGeom>
+          <a:solidFill>
+            <a:schemeClr val="accent2"/>
+          </a:solidFill>
+          <a:ln>
+            <a:solidFill>
+              <a:schemeClr val="tx1"/>
+            </a:solidFill>
+          </a:ln>
+        </p:spPr>
+        <p:style>
+          <a:lnRef idx="2">
+            <a:schemeClr val="accent1">
+              <a:shade val="50000"/>
+            </a:schemeClr>
+          </a:lnRef>
+          <a:fillRef idx="1">
+            <a:schemeClr val="accent1"/>
+          </a:fillRef>
+          <a:effectRef idx="0">
+            <a:schemeClr val="accent1"/>
+          </a:effectRef>
+          <a:fontRef idx="minor">
+            <a:schemeClr val="lt1"/>
+          </a:fontRef>
+        </p:style>
+        <p:txBody>
+          <a:bodyPr rtlCol="0" anchor="ctr"/>
+          <a:lstStyle/>
+          <a:p>
+            <a:r>
+              <a:rPr lang="de-CH" sz="1000" b="1" dirty="0" err="1">
+                <a:solidFill>
+                  <a:schemeClr val="tx1"/>
+                </a:solidFill>
+                <a:latin typeface="Arial" panose="020B0604020202020204" pitchFamily="34" charset="0"/>
+                <a:cs typeface="Arial" panose="020B0604020202020204" pitchFamily="34" charset="0"/>
+              </a:rPr>
+              <a:t>m_hide_display_elements</a:t>
+            </a:r>
+            <a:r>
+              <a:rPr lang="de-CH" sz="1000" b="1" dirty="0">
+                <a:solidFill>
+                  <a:schemeClr val="tx1"/>
+                </a:solidFill>
+                <a:latin typeface="Arial" panose="020B0604020202020204" pitchFamily="34" charset="0"/>
+                <a:cs typeface="Arial" panose="020B0604020202020204" pitchFamily="34" charset="0"/>
+              </a:rPr>
+              <a:t>  Array </a:t>
+            </a:r>
+            <a:r>
+              <a:rPr lang="de-CH" sz="1000" b="1" dirty="0" err="1">
+                <a:solidFill>
+                  <a:schemeClr val="tx1"/>
+                </a:solidFill>
+                <a:latin typeface="Arial" panose="020B0604020202020204" pitchFamily="34" charset="0"/>
+                <a:cs typeface="Arial" panose="020B0604020202020204" pitchFamily="34" charset="0"/>
+              </a:rPr>
+              <a:t>of</a:t>
+            </a:r>
+            <a:r>
+              <a:rPr lang="de-CH" sz="1000" b="1" dirty="0">
+                <a:solidFill>
+                  <a:schemeClr val="tx1"/>
+                </a:solidFill>
+                <a:latin typeface="Arial" panose="020B0604020202020204" pitchFamily="34" charset="0"/>
+                <a:cs typeface="Arial" panose="020B0604020202020204" pitchFamily="34" charset="0"/>
+              </a:rPr>
+              <a:t> </a:t>
+            </a:r>
+            <a:r>
+              <a:rPr lang="de-CH" sz="1000" b="1" dirty="0" err="1">
+                <a:solidFill>
+                  <a:schemeClr val="tx1"/>
+                </a:solidFill>
+                <a:latin typeface="Arial" panose="020B0604020202020204" pitchFamily="34" charset="0"/>
+                <a:cs typeface="Arial" panose="020B0604020202020204" pitchFamily="34" charset="0"/>
+              </a:rPr>
+              <a:t>elements</a:t>
+            </a:r>
+            <a:r>
+              <a:rPr lang="de-CH" sz="1000" b="1" dirty="0">
+                <a:solidFill>
+                  <a:schemeClr val="tx1"/>
+                </a:solidFill>
+                <a:latin typeface="Arial" panose="020B0604020202020204" pitchFamily="34" charset="0"/>
+                <a:cs typeface="Arial" panose="020B0604020202020204" pitchFamily="34" charset="0"/>
+              </a:rPr>
+              <a:t> </a:t>
+            </a:r>
+            <a:r>
+              <a:rPr lang="de-CH" sz="1000" b="1" dirty="0" err="1">
+                <a:solidFill>
+                  <a:schemeClr val="tx1"/>
+                </a:solidFill>
+                <a:latin typeface="Arial" panose="020B0604020202020204" pitchFamily="34" charset="0"/>
+                <a:cs typeface="Arial" panose="020B0604020202020204" pitchFamily="34" charset="0"/>
+              </a:rPr>
+              <a:t>that</a:t>
+            </a:r>
+            <a:r>
+              <a:rPr lang="de-CH" sz="1000" b="1" dirty="0">
+                <a:solidFill>
+                  <a:schemeClr val="tx1"/>
+                </a:solidFill>
+                <a:latin typeface="Arial" panose="020B0604020202020204" pitchFamily="34" charset="0"/>
+                <a:cs typeface="Arial" panose="020B0604020202020204" pitchFamily="34" charset="0"/>
+              </a:rPr>
+              <a:t> </a:t>
+            </a:r>
+            <a:r>
+              <a:rPr lang="de-CH" sz="1000" b="1" dirty="0" err="1">
+                <a:solidFill>
+                  <a:schemeClr val="tx1"/>
+                </a:solidFill>
+                <a:latin typeface="Arial" panose="020B0604020202020204" pitchFamily="34" charset="0"/>
+                <a:cs typeface="Arial" panose="020B0604020202020204" pitchFamily="34" charset="0"/>
+              </a:rPr>
+              <a:t>only</a:t>
+            </a:r>
+            <a:r>
+              <a:rPr lang="de-CH" sz="1000" b="1" dirty="0">
+                <a:solidFill>
+                  <a:schemeClr val="tx1"/>
+                </a:solidFill>
+                <a:latin typeface="Arial" panose="020B0604020202020204" pitchFamily="34" charset="0"/>
+                <a:cs typeface="Arial" panose="020B0604020202020204" pitchFamily="34" charset="0"/>
+              </a:rPr>
+              <a:t> </a:t>
+            </a:r>
+            <a:r>
+              <a:rPr lang="de-CH" sz="1000" b="1" dirty="0" err="1">
+                <a:solidFill>
+                  <a:schemeClr val="tx1"/>
+                </a:solidFill>
+                <a:latin typeface="Arial" panose="020B0604020202020204" pitchFamily="34" charset="0"/>
+                <a:cs typeface="Arial" panose="020B0604020202020204" pitchFamily="34" charset="0"/>
+              </a:rPr>
+              <a:t>shall</a:t>
+            </a:r>
+            <a:r>
+              <a:rPr lang="de-CH" sz="1000" b="1" dirty="0">
+                <a:solidFill>
+                  <a:schemeClr val="tx1"/>
+                </a:solidFill>
+                <a:latin typeface="Arial" panose="020B0604020202020204" pitchFamily="34" charset="0"/>
+                <a:cs typeface="Arial" panose="020B0604020202020204" pitchFamily="34" charset="0"/>
+              </a:rPr>
+              <a:t> </a:t>
+            </a:r>
+            <a:r>
+              <a:rPr lang="de-CH" sz="1000" b="1" dirty="0" err="1">
+                <a:solidFill>
+                  <a:schemeClr val="tx1"/>
+                </a:solidFill>
+                <a:latin typeface="Arial" panose="020B0604020202020204" pitchFamily="34" charset="0"/>
+                <a:cs typeface="Arial" panose="020B0604020202020204" pitchFamily="34" charset="0"/>
+              </a:rPr>
+              <a:t>be</a:t>
+            </a:r>
+            <a:r>
+              <a:rPr lang="de-CH" sz="1000" b="1" dirty="0">
+                <a:solidFill>
+                  <a:schemeClr val="tx1"/>
+                </a:solidFill>
+                <a:latin typeface="Arial" panose="020B0604020202020204" pitchFamily="34" charset="0"/>
+                <a:cs typeface="Arial" panose="020B0604020202020204" pitchFamily="34" charset="0"/>
+              </a:rPr>
+              <a:t> </a:t>
+            </a:r>
+            <a:r>
+              <a:rPr lang="de-CH" sz="1000" b="1" dirty="0" err="1">
+                <a:solidFill>
+                  <a:schemeClr val="tx1"/>
+                </a:solidFill>
+                <a:latin typeface="Arial" panose="020B0604020202020204" pitchFamily="34" charset="0"/>
+                <a:cs typeface="Arial" panose="020B0604020202020204" pitchFamily="34" charset="0"/>
+              </a:rPr>
+              <a:t>shown</a:t>
+            </a:r>
+            <a:r>
+              <a:rPr lang="de-CH" sz="1000" b="1" dirty="0">
+                <a:solidFill>
+                  <a:schemeClr val="tx1"/>
+                </a:solidFill>
+                <a:latin typeface="Arial" panose="020B0604020202020204" pitchFamily="34" charset="0"/>
+                <a:cs typeface="Arial" panose="020B0604020202020204" pitchFamily="34" charset="0"/>
+              </a:rPr>
+              <a:t> after </a:t>
+            </a:r>
+            <a:r>
+              <a:rPr lang="de-CH" sz="1000" b="1" dirty="0" err="1">
+                <a:solidFill>
+                  <a:schemeClr val="tx1"/>
+                </a:solidFill>
+                <a:latin typeface="Arial" panose="020B0604020202020204" pitchFamily="34" charset="0"/>
+                <a:cs typeface="Arial" panose="020B0604020202020204" pitchFamily="34" charset="0"/>
+              </a:rPr>
+              <a:t>login</a:t>
+            </a:r>
+            <a:r>
+              <a:rPr lang="de-CH" sz="1000" b="1" dirty="0">
+                <a:solidFill>
+                  <a:schemeClr val="tx1"/>
+                </a:solidFill>
+                <a:latin typeface="Arial" panose="020B0604020202020204" pitchFamily="34" charset="0"/>
+                <a:cs typeface="Arial" panose="020B0604020202020204" pitchFamily="34" charset="0"/>
+              </a:rPr>
+              <a:t> </a:t>
+            </a:r>
+          </a:p>
+        </p:txBody>
+      </p:sp>
+      <p:sp>
+        <p:nvSpPr>
+          <p:cNvPr id="18" name="Rechteck 17">
+            <a:extLst>
+              <a:ext uri="{FF2B5EF4-FFF2-40B4-BE49-F238E27FC236}">
+                <a16:creationId xmlns:a16="http://schemas.microsoft.com/office/drawing/2014/main" id="{0C6F0F12-E268-8C16-0DCB-3E5A523B12E5}"/>
+              </a:ext>
+            </a:extLst>
+          </p:cNvPr>
+          <p:cNvSpPr/>
+          <p:nvPr/>
+        </p:nvSpPr>
+        <p:spPr>
+          <a:xfrm>
+            <a:off x="5642989" y="2205789"/>
+            <a:ext cx="5457876" cy="316012"/>
+          </a:xfrm>
+          <a:prstGeom prst="rect">
+            <a:avLst/>
+          </a:prstGeom>
+          <a:solidFill>
+            <a:schemeClr val="accent2"/>
+          </a:solidFill>
+          <a:ln>
+            <a:solidFill>
+              <a:schemeClr val="tx1"/>
+            </a:solidFill>
+          </a:ln>
+        </p:spPr>
+        <p:style>
+          <a:lnRef idx="2">
+            <a:schemeClr val="accent1">
+              <a:shade val="50000"/>
+            </a:schemeClr>
+          </a:lnRef>
+          <a:fillRef idx="1">
+            <a:schemeClr val="accent1"/>
+          </a:fillRef>
+          <a:effectRef idx="0">
+            <a:schemeClr val="accent1"/>
+          </a:effectRef>
+          <a:fontRef idx="minor">
+            <a:schemeClr val="lt1"/>
+          </a:fontRef>
+        </p:style>
+        <p:txBody>
+          <a:bodyPr rtlCol="0" anchor="ctr"/>
+          <a:lstStyle/>
+          <a:p>
+            <a:r>
+              <a:rPr lang="de-CH" sz="1000" b="1" dirty="0" err="1">
+                <a:solidFill>
+                  <a:schemeClr val="tx1"/>
+                </a:solidFill>
+                <a:latin typeface="Arial" panose="020B0604020202020204" pitchFamily="34" charset="0"/>
+                <a:cs typeface="Arial" panose="020B0604020202020204" pitchFamily="34" charset="0"/>
+              </a:rPr>
+              <a:t>m_user_has_logged_in</a:t>
+            </a:r>
+            <a:r>
+              <a:rPr lang="de-CH" sz="1000" b="1" dirty="0">
+                <a:solidFill>
+                  <a:schemeClr val="tx1"/>
+                </a:solidFill>
+                <a:latin typeface="Arial" panose="020B0604020202020204" pitchFamily="34" charset="0"/>
+                <a:cs typeface="Arial" panose="020B0604020202020204" pitchFamily="34" charset="0"/>
+              </a:rPr>
+              <a:t>  </a:t>
+            </a:r>
+            <a:r>
+              <a:rPr lang="de-CH" sz="1000" b="1" dirty="0" err="1">
+                <a:solidFill>
+                  <a:schemeClr val="tx1"/>
+                </a:solidFill>
+                <a:latin typeface="Arial" panose="020B0604020202020204" pitchFamily="34" charset="0"/>
+                <a:cs typeface="Arial" panose="020B0604020202020204" pitchFamily="34" charset="0"/>
+              </a:rPr>
+              <a:t>Flag</a:t>
+            </a:r>
+            <a:r>
+              <a:rPr lang="de-CH" sz="1000" b="1" dirty="0">
+                <a:solidFill>
+                  <a:schemeClr val="tx1"/>
+                </a:solidFill>
+                <a:latin typeface="Arial" panose="020B0604020202020204" pitchFamily="34" charset="0"/>
+                <a:cs typeface="Arial" panose="020B0604020202020204" pitchFamily="34" charset="0"/>
+              </a:rPr>
+              <a:t> </a:t>
+            </a:r>
+            <a:r>
+              <a:rPr lang="de-CH" sz="1000" b="1" dirty="0" err="1">
+                <a:solidFill>
+                  <a:schemeClr val="tx1"/>
+                </a:solidFill>
+                <a:latin typeface="Arial" panose="020B0604020202020204" pitchFamily="34" charset="0"/>
+                <a:cs typeface="Arial" panose="020B0604020202020204" pitchFamily="34" charset="0"/>
+              </a:rPr>
+              <a:t>telling</a:t>
+            </a:r>
+            <a:r>
+              <a:rPr lang="de-CH" sz="1000" b="1" dirty="0">
+                <a:solidFill>
+                  <a:schemeClr val="tx1"/>
+                </a:solidFill>
+                <a:latin typeface="Arial" panose="020B0604020202020204" pitchFamily="34" charset="0"/>
+                <a:cs typeface="Arial" panose="020B0604020202020204" pitchFamily="34" charset="0"/>
+              </a:rPr>
+              <a:t> </a:t>
+            </a:r>
+            <a:r>
+              <a:rPr lang="de-CH" sz="1000" b="1" dirty="0" err="1">
+                <a:solidFill>
+                  <a:schemeClr val="tx1"/>
+                </a:solidFill>
+                <a:latin typeface="Arial" panose="020B0604020202020204" pitchFamily="34" charset="0"/>
+                <a:cs typeface="Arial" panose="020B0604020202020204" pitchFamily="34" charset="0"/>
+              </a:rPr>
+              <a:t>if</a:t>
+            </a:r>
+            <a:r>
+              <a:rPr lang="de-CH" sz="1000" b="1" dirty="0">
+                <a:solidFill>
+                  <a:schemeClr val="tx1"/>
+                </a:solidFill>
+                <a:latin typeface="Arial" panose="020B0604020202020204" pitchFamily="34" charset="0"/>
+                <a:cs typeface="Arial" panose="020B0604020202020204" pitchFamily="34" charset="0"/>
+              </a:rPr>
+              <a:t> </a:t>
+            </a:r>
+            <a:r>
+              <a:rPr lang="de-CH" sz="1000" b="1" dirty="0" err="1">
+                <a:solidFill>
+                  <a:schemeClr val="tx1"/>
+                </a:solidFill>
+                <a:latin typeface="Arial" panose="020B0604020202020204" pitchFamily="34" charset="0"/>
+                <a:cs typeface="Arial" panose="020B0604020202020204" pitchFamily="34" charset="0"/>
+              </a:rPr>
+              <a:t>the</a:t>
+            </a:r>
+            <a:r>
+              <a:rPr lang="de-CH" sz="1000" b="1" dirty="0">
+                <a:solidFill>
+                  <a:schemeClr val="tx1"/>
+                </a:solidFill>
+                <a:latin typeface="Arial" panose="020B0604020202020204" pitchFamily="34" charset="0"/>
+                <a:cs typeface="Arial" panose="020B0604020202020204" pitchFamily="34" charset="0"/>
+              </a:rPr>
+              <a:t> </a:t>
+            </a:r>
+            <a:r>
+              <a:rPr lang="de-CH" sz="1000" b="1" dirty="0" err="1">
+                <a:solidFill>
+                  <a:schemeClr val="tx1"/>
+                </a:solidFill>
+                <a:latin typeface="Arial" panose="020B0604020202020204" pitchFamily="34" charset="0"/>
+                <a:cs typeface="Arial" panose="020B0604020202020204" pitchFamily="34" charset="0"/>
+              </a:rPr>
+              <a:t>user</a:t>
+            </a:r>
+            <a:r>
+              <a:rPr lang="de-CH" sz="1000" b="1" dirty="0">
+                <a:solidFill>
+                  <a:schemeClr val="tx1"/>
+                </a:solidFill>
+                <a:latin typeface="Arial" panose="020B0604020202020204" pitchFamily="34" charset="0"/>
+                <a:cs typeface="Arial" panose="020B0604020202020204" pitchFamily="34" charset="0"/>
+              </a:rPr>
+              <a:t> </a:t>
+            </a:r>
+            <a:r>
+              <a:rPr lang="de-CH" sz="1000" b="1" dirty="0" err="1">
+                <a:solidFill>
+                  <a:schemeClr val="tx1"/>
+                </a:solidFill>
+                <a:latin typeface="Arial" panose="020B0604020202020204" pitchFamily="34" charset="0"/>
+                <a:cs typeface="Arial" panose="020B0604020202020204" pitchFamily="34" charset="0"/>
+              </a:rPr>
+              <a:t>has</a:t>
+            </a:r>
+            <a:r>
+              <a:rPr lang="de-CH" sz="1000" b="1" dirty="0">
+                <a:solidFill>
+                  <a:schemeClr val="tx1"/>
+                </a:solidFill>
+                <a:latin typeface="Arial" panose="020B0604020202020204" pitchFamily="34" charset="0"/>
+                <a:cs typeface="Arial" panose="020B0604020202020204" pitchFamily="34" charset="0"/>
+              </a:rPr>
+              <a:t> </a:t>
+            </a:r>
+            <a:r>
+              <a:rPr lang="de-CH" sz="1000" b="1" dirty="0" err="1">
+                <a:solidFill>
+                  <a:schemeClr val="tx1"/>
+                </a:solidFill>
+                <a:latin typeface="Arial" panose="020B0604020202020204" pitchFamily="34" charset="0"/>
+                <a:cs typeface="Arial" panose="020B0604020202020204" pitchFamily="34" charset="0"/>
+              </a:rPr>
+              <a:t>logged</a:t>
+            </a:r>
+            <a:r>
+              <a:rPr lang="de-CH" sz="1000" b="1" dirty="0">
+                <a:solidFill>
+                  <a:schemeClr val="tx1"/>
+                </a:solidFill>
+                <a:latin typeface="Arial" panose="020B0604020202020204" pitchFamily="34" charset="0"/>
+                <a:cs typeface="Arial" panose="020B0604020202020204" pitchFamily="34" charset="0"/>
+              </a:rPr>
+              <a:t> in (?????)</a:t>
+            </a:r>
+          </a:p>
+        </p:txBody>
+      </p:sp>
+      <p:sp>
+        <p:nvSpPr>
+          <p:cNvPr id="19" name="Rechteck 18">
+            <a:extLst>
+              <a:ext uri="{FF2B5EF4-FFF2-40B4-BE49-F238E27FC236}">
+                <a16:creationId xmlns:a16="http://schemas.microsoft.com/office/drawing/2014/main" id="{D4DC9019-9112-B59D-9CFF-FC11C9F61BC4}"/>
+              </a:ext>
+            </a:extLst>
+          </p:cNvPr>
+          <p:cNvSpPr/>
+          <p:nvPr/>
+        </p:nvSpPr>
+        <p:spPr>
+          <a:xfrm>
+            <a:off x="5632864" y="514556"/>
+            <a:ext cx="5468001" cy="301993"/>
+          </a:xfrm>
+          <a:prstGeom prst="rect">
+            <a:avLst/>
+          </a:prstGeom>
+          <a:solidFill>
+            <a:schemeClr val="accent2"/>
+          </a:solidFill>
+          <a:ln>
+            <a:solidFill>
+              <a:schemeClr val="tx1"/>
+            </a:solidFill>
+          </a:ln>
+        </p:spPr>
+        <p:style>
+          <a:lnRef idx="2">
+            <a:schemeClr val="accent1">
+              <a:shade val="50000"/>
+            </a:schemeClr>
+          </a:lnRef>
+          <a:fillRef idx="1">
+            <a:schemeClr val="accent1"/>
+          </a:fillRef>
+          <a:effectRef idx="0">
+            <a:schemeClr val="accent1"/>
+          </a:effectRef>
+          <a:fontRef idx="minor">
+            <a:schemeClr val="lt1"/>
+          </a:fontRef>
+        </p:style>
+        <p:txBody>
+          <a:bodyPr rtlCol="0" anchor="ctr"/>
+          <a:lstStyle/>
+          <a:p>
+            <a:r>
+              <a:rPr lang="de-CH" sz="1000" b="1" dirty="0" err="1">
+                <a:solidFill>
+                  <a:schemeClr val="tx1"/>
+                </a:solidFill>
+                <a:latin typeface="Arial" panose="020B0604020202020204" pitchFamily="34" charset="0"/>
+                <a:cs typeface="Arial" panose="020B0604020202020204" pitchFamily="34" charset="0"/>
+              </a:rPr>
+              <a:t>m_application_xml</a:t>
+            </a:r>
+            <a:r>
+              <a:rPr lang="de-CH" sz="1000" b="1" dirty="0">
+                <a:solidFill>
+                  <a:schemeClr val="tx1"/>
+                </a:solidFill>
+                <a:latin typeface="Arial" panose="020B0604020202020204" pitchFamily="34" charset="0"/>
+                <a:cs typeface="Arial" panose="020B0604020202020204" pitchFamily="34" charset="0"/>
+              </a:rPr>
+              <a:t>  </a:t>
+            </a:r>
+            <a:r>
+              <a:rPr lang="de-CH" sz="1000" b="1" dirty="0" err="1">
+                <a:solidFill>
+                  <a:schemeClr val="tx1"/>
+                </a:solidFill>
+                <a:latin typeface="Arial" panose="020B0604020202020204" pitchFamily="34" charset="0"/>
+                <a:cs typeface="Arial" panose="020B0604020202020204" pitchFamily="34" charset="0"/>
+              </a:rPr>
+              <a:t>JazzApplicationXml</a:t>
+            </a:r>
+            <a:r>
+              <a:rPr lang="de-CH" sz="1000" b="1" dirty="0">
+                <a:solidFill>
+                  <a:schemeClr val="tx1"/>
+                </a:solidFill>
+                <a:latin typeface="Arial" panose="020B0604020202020204" pitchFamily="34" charset="0"/>
+                <a:cs typeface="Arial" panose="020B0604020202020204" pitchFamily="34" charset="0"/>
+              </a:rPr>
+              <a:t> </a:t>
+            </a:r>
+          </a:p>
+        </p:txBody>
+      </p:sp>
+      <p:sp>
+        <p:nvSpPr>
+          <p:cNvPr id="20" name="Rechteck 19">
+            <a:extLst>
+              <a:ext uri="{FF2B5EF4-FFF2-40B4-BE49-F238E27FC236}">
+                <a16:creationId xmlns:a16="http://schemas.microsoft.com/office/drawing/2014/main" id="{C95468EF-3BE9-1A63-5E27-886ECBFF7997}"/>
+              </a:ext>
+            </a:extLst>
+          </p:cNvPr>
+          <p:cNvSpPr/>
+          <p:nvPr/>
+        </p:nvSpPr>
+        <p:spPr>
+          <a:xfrm>
+            <a:off x="5663238" y="3089190"/>
+            <a:ext cx="5447751" cy="577360"/>
+          </a:xfrm>
+          <a:prstGeom prst="rect">
+            <a:avLst/>
+          </a:prstGeom>
+          <a:solidFill>
+            <a:schemeClr val="accent1">
+              <a:lumMod val="40000"/>
+              <a:lumOff val="60000"/>
+            </a:schemeClr>
+          </a:solidFill>
+          <a:ln>
+            <a:solidFill>
+              <a:schemeClr val="tx2">
+                <a:lumMod val="20000"/>
+                <a:lumOff val="80000"/>
+              </a:schemeClr>
+            </a:solidFill>
+          </a:ln>
+        </p:spPr>
+        <p:style>
+          <a:lnRef idx="2">
+            <a:schemeClr val="accent1">
+              <a:shade val="50000"/>
+            </a:schemeClr>
+          </a:lnRef>
+          <a:fillRef idx="1">
+            <a:schemeClr val="accent1"/>
+          </a:fillRef>
+          <a:effectRef idx="0">
+            <a:schemeClr val="accent1"/>
+          </a:effectRef>
+          <a:fontRef idx="minor">
+            <a:schemeClr val="lt1"/>
+          </a:fontRef>
+        </p:style>
+        <p:txBody>
+          <a:bodyPr rtlCol="0" anchor="ctr"/>
+          <a:lstStyle/>
+          <a:p>
+            <a:r>
+              <a:rPr lang="de-CH" sz="1000" b="1" dirty="0" err="1">
+                <a:solidFill>
+                  <a:schemeClr val="tx1"/>
+                </a:solidFill>
+                <a:latin typeface="Arial" panose="020B0604020202020204" pitchFamily="34" charset="0"/>
+                <a:cs typeface="Arial" panose="020B0604020202020204" pitchFamily="34" charset="0"/>
+              </a:rPr>
+              <a:t>m_callback_function_xml</a:t>
+            </a:r>
+            <a:r>
+              <a:rPr lang="de-CH" sz="1000" b="1" dirty="0">
+                <a:solidFill>
+                  <a:schemeClr val="tx1"/>
+                </a:solidFill>
+                <a:latin typeface="Arial" panose="020B0604020202020204" pitchFamily="34" charset="0"/>
+                <a:cs typeface="Arial" panose="020B0604020202020204" pitchFamily="34" charset="0"/>
+              </a:rPr>
+              <a:t>()</a:t>
+            </a:r>
+          </a:p>
+          <a:p>
+            <a:endParaRPr lang="de-CH" sz="800" b="1" dirty="0">
+              <a:solidFill>
+                <a:schemeClr val="tx1"/>
+              </a:solidFill>
+              <a:latin typeface="Arial" panose="020B0604020202020204" pitchFamily="34" charset="0"/>
+              <a:cs typeface="Arial" panose="020B0604020202020204" pitchFamily="34" charset="0"/>
+            </a:endParaRPr>
+          </a:p>
+          <a:p>
+            <a:r>
+              <a:rPr lang="de-CH" sz="800" b="1" dirty="0">
+                <a:solidFill>
+                  <a:schemeClr val="tx1"/>
+                </a:solidFill>
+                <a:latin typeface="Arial" panose="020B0604020202020204" pitchFamily="34" charset="0"/>
+                <a:cs typeface="Arial" panose="020B0604020202020204" pitchFamily="34" charset="0"/>
+              </a:rPr>
+              <a:t>Create </a:t>
+            </a:r>
+            <a:r>
+              <a:rPr lang="de-CH" sz="800" b="1" dirty="0" err="1">
+                <a:solidFill>
+                  <a:schemeClr val="tx1"/>
+                </a:solidFill>
+                <a:latin typeface="Arial" panose="020B0604020202020204" pitchFamily="34" charset="0"/>
+                <a:cs typeface="Arial" panose="020B0604020202020204" pitchFamily="34" charset="0"/>
+              </a:rPr>
+              <a:t>JazzUserName</a:t>
+            </a:r>
+            <a:r>
+              <a:rPr lang="de-CH" sz="800" b="1" dirty="0">
+                <a:solidFill>
+                  <a:schemeClr val="tx1"/>
+                </a:solidFill>
+                <a:latin typeface="Arial" panose="020B0604020202020204" pitchFamily="34" charset="0"/>
+                <a:cs typeface="Arial" panose="020B0604020202020204" pitchFamily="34" charset="0"/>
+              </a:rPr>
+              <a:t>. Set </a:t>
+            </a:r>
+            <a:r>
+              <a:rPr lang="de-CH" sz="800" b="1" dirty="0" err="1">
+                <a:solidFill>
+                  <a:schemeClr val="tx1"/>
+                </a:solidFill>
+                <a:latin typeface="Arial" panose="020B0604020202020204" pitchFamily="34" charset="0"/>
+                <a:cs typeface="Arial" panose="020B0604020202020204" pitchFamily="34" charset="0"/>
+              </a:rPr>
+              <a:t>m_user_name_object</a:t>
+            </a:r>
+            <a:r>
+              <a:rPr lang="de-CH" sz="800" b="1" dirty="0">
+                <a:solidFill>
+                  <a:schemeClr val="tx1"/>
+                </a:solidFill>
+                <a:latin typeface="Arial" panose="020B0604020202020204" pitchFamily="34" charset="0"/>
+                <a:cs typeface="Arial" panose="020B0604020202020204" pitchFamily="34" charset="0"/>
+              </a:rPr>
+              <a:t>. Call </a:t>
+            </a:r>
+            <a:r>
+              <a:rPr lang="de-CH" sz="800" b="1" dirty="0" err="1">
+                <a:solidFill>
+                  <a:schemeClr val="tx1"/>
+                </a:solidFill>
+                <a:latin typeface="Arial" panose="020B0604020202020204" pitchFamily="34" charset="0"/>
+                <a:cs typeface="Arial" panose="020B0604020202020204" pitchFamily="34" charset="0"/>
+              </a:rPr>
+              <a:t>JazzUserName.getUserName</a:t>
+            </a:r>
+            <a:r>
+              <a:rPr lang="de-CH" sz="800" b="1" dirty="0">
+                <a:solidFill>
+                  <a:schemeClr val="tx1"/>
+                </a:solidFill>
+                <a:latin typeface="Arial" panose="020B0604020202020204" pitchFamily="34" charset="0"/>
+                <a:cs typeface="Arial" panose="020B0604020202020204" pitchFamily="34" charset="0"/>
+              </a:rPr>
+              <a:t>().</a:t>
+            </a:r>
+          </a:p>
+          <a:p>
+            <a:r>
+              <a:rPr lang="de-CH" sz="800" b="1" dirty="0">
+                <a:solidFill>
+                  <a:schemeClr val="tx1"/>
+                </a:solidFill>
+                <a:latin typeface="Arial" panose="020B0604020202020204" pitchFamily="34" charset="0"/>
+                <a:cs typeface="Arial" panose="020B0604020202020204" pitchFamily="34" charset="0"/>
+              </a:rPr>
+              <a:t>Create </a:t>
+            </a:r>
+            <a:r>
+              <a:rPr lang="de-CH" sz="800" b="1" dirty="0" err="1">
+                <a:solidFill>
+                  <a:schemeClr val="tx1"/>
+                </a:solidFill>
+                <a:latin typeface="Arial" panose="020B0604020202020204" pitchFamily="34" charset="0"/>
+                <a:cs typeface="Arial" panose="020B0604020202020204" pitchFamily="34" charset="0"/>
+              </a:rPr>
+              <a:t>LoginLogout</a:t>
+            </a:r>
+            <a:r>
+              <a:rPr lang="de-CH" sz="800" b="1" dirty="0">
+                <a:solidFill>
+                  <a:schemeClr val="tx1"/>
+                </a:solidFill>
+                <a:latin typeface="Arial" panose="020B0604020202020204" pitchFamily="34" charset="0"/>
+                <a:cs typeface="Arial" panose="020B0604020202020204" pitchFamily="34" charset="0"/>
+              </a:rPr>
+              <a:t>. Set </a:t>
+            </a:r>
+            <a:r>
+              <a:rPr lang="de-CH" sz="800" b="1" dirty="0" err="1">
+                <a:solidFill>
+                  <a:schemeClr val="tx1"/>
+                </a:solidFill>
+                <a:latin typeface="Arial" panose="020B0604020202020204" pitchFamily="34" charset="0"/>
+                <a:cs typeface="Arial" panose="020B0604020202020204" pitchFamily="34" charset="0"/>
+              </a:rPr>
+              <a:t>m_login_logout</a:t>
+            </a:r>
+            <a:r>
+              <a:rPr lang="de-CH" sz="800" b="1" dirty="0">
+                <a:solidFill>
+                  <a:schemeClr val="tx1"/>
+                </a:solidFill>
+                <a:latin typeface="Arial" panose="020B0604020202020204" pitchFamily="34" charset="0"/>
+                <a:cs typeface="Arial" panose="020B0604020202020204" pitchFamily="34" charset="0"/>
+              </a:rPr>
+              <a:t>.</a:t>
+            </a:r>
+          </a:p>
+          <a:p>
+            <a:endParaRPr lang="de-CH" sz="800" b="1" dirty="0">
+              <a:solidFill>
+                <a:schemeClr val="tx1"/>
+              </a:solidFill>
+              <a:latin typeface="Arial" panose="020B0604020202020204" pitchFamily="34" charset="0"/>
+              <a:cs typeface="Arial" panose="020B0604020202020204" pitchFamily="34" charset="0"/>
+            </a:endParaRPr>
+          </a:p>
+        </p:txBody>
+      </p:sp>
+      <p:sp>
+        <p:nvSpPr>
+          <p:cNvPr id="21" name="Rechteck 20">
+            <a:extLst>
+              <a:ext uri="{FF2B5EF4-FFF2-40B4-BE49-F238E27FC236}">
+                <a16:creationId xmlns:a16="http://schemas.microsoft.com/office/drawing/2014/main" id="{655A0E32-594F-6C18-2C67-9FF4166551F0}"/>
+              </a:ext>
+            </a:extLst>
+          </p:cNvPr>
+          <p:cNvSpPr/>
+          <p:nvPr/>
+        </p:nvSpPr>
+        <p:spPr>
+          <a:xfrm>
+            <a:off x="831936" y="2170436"/>
+            <a:ext cx="4197262" cy="477080"/>
+          </a:xfrm>
+          <a:prstGeom prst="rect">
+            <a:avLst/>
+          </a:prstGeom>
+          <a:solidFill>
+            <a:schemeClr val="accent1">
+              <a:lumMod val="40000"/>
+              <a:lumOff val="60000"/>
+            </a:schemeClr>
+          </a:solidFill>
+          <a:ln>
+            <a:solidFill>
+              <a:schemeClr val="tx2">
+                <a:lumMod val="20000"/>
+                <a:lumOff val="80000"/>
+              </a:schemeClr>
+            </a:solidFill>
+          </a:ln>
+        </p:spPr>
+        <p:style>
+          <a:lnRef idx="2">
+            <a:schemeClr val="accent1">
+              <a:shade val="50000"/>
+            </a:schemeClr>
+          </a:lnRef>
+          <a:fillRef idx="1">
+            <a:schemeClr val="accent1"/>
+          </a:fillRef>
+          <a:effectRef idx="0">
+            <a:schemeClr val="accent1"/>
+          </a:effectRef>
+          <a:fontRef idx="minor">
+            <a:schemeClr val="lt1"/>
+          </a:fontRef>
+        </p:style>
+        <p:txBody>
+          <a:bodyPr rtlCol="0" anchor="ctr"/>
+          <a:lstStyle/>
+          <a:p>
+            <a:r>
+              <a:rPr lang="de-CH" sz="1000" b="1" dirty="0" err="1">
+                <a:solidFill>
+                  <a:schemeClr val="tx1"/>
+                </a:solidFill>
+                <a:latin typeface="Arial" panose="020B0604020202020204" pitchFamily="34" charset="0"/>
+                <a:cs typeface="Arial" panose="020B0604020202020204" pitchFamily="34" charset="0"/>
+              </a:rPr>
+              <a:t>onClickWebLoginLogoutButton</a:t>
+            </a:r>
+            <a:r>
+              <a:rPr lang="de-CH" sz="1000" b="1" dirty="0">
+                <a:solidFill>
+                  <a:schemeClr val="tx1"/>
+                </a:solidFill>
+                <a:latin typeface="Arial" panose="020B0604020202020204" pitchFamily="34" charset="0"/>
+                <a:cs typeface="Arial" panose="020B0604020202020204" pitchFamily="34" charset="0"/>
+              </a:rPr>
+              <a:t>()</a:t>
+            </a:r>
+          </a:p>
+          <a:p>
+            <a:endParaRPr lang="de-CH" sz="800" b="1" dirty="0">
+              <a:solidFill>
+                <a:schemeClr val="tx1"/>
+              </a:solidFill>
+              <a:latin typeface="Arial" panose="020B0604020202020204" pitchFamily="34" charset="0"/>
+              <a:cs typeface="Arial" panose="020B0604020202020204" pitchFamily="34" charset="0"/>
+            </a:endParaRPr>
+          </a:p>
+          <a:p>
+            <a:r>
+              <a:rPr lang="de-CH" sz="800" b="1" dirty="0" err="1">
+                <a:solidFill>
+                  <a:schemeClr val="tx1"/>
+                </a:solidFill>
+                <a:latin typeface="Arial" panose="020B0604020202020204" pitchFamily="34" charset="0"/>
+                <a:cs typeface="Arial" panose="020B0604020202020204" pitchFamily="34" charset="0"/>
+              </a:rPr>
+              <a:t>WebLoginLogout.onClickWebLoginLogoutButton</a:t>
+            </a:r>
+            <a:endParaRPr lang="de-CH" sz="800" b="1" dirty="0">
+              <a:solidFill>
+                <a:schemeClr val="tx1"/>
+              </a:solidFill>
+              <a:latin typeface="Arial" panose="020B0604020202020204" pitchFamily="34" charset="0"/>
+              <a:cs typeface="Arial" panose="020B0604020202020204" pitchFamily="34" charset="0"/>
+            </a:endParaRPr>
+          </a:p>
+        </p:txBody>
+      </p:sp>
+    </p:spTree>
+    <p:extLst>
+      <p:ext uri="{BB962C8B-B14F-4D97-AF65-F5344CB8AC3E}">
+        <p14:creationId xmlns:p14="http://schemas.microsoft.com/office/powerpoint/2010/main" val="1645293988"/>
+      </p:ext>
+    </p:extLst>
+  </p:cSld>
+  <p:clrMapOvr>
+    <a:masterClrMapping/>
+  </p:clrMapOvr>
+</p:sld>
+</file>
+
+<file path=ppt/slides/slide4.xml><?xml version="1.0" encoding="utf-8"?>
+<p:sld xmlns:a="http://schemas.openxmlformats.org/drawingml/2006/main" xmlns:r="http://schemas.openxmlformats.org/officeDocument/2006/relationships" xmlns:p="http://schemas.openxmlformats.org/presentationml/2006/main">
+  <p:cSld>
+    <p:spTree>
+      <p:nvGrpSpPr>
+        <p:cNvPr id="1" name=""/>
+        <p:cNvGrpSpPr/>
+        <p:nvPr/>
+      </p:nvGrpSpPr>
+      <p:grpSpPr>
+        <a:xfrm>
+          <a:off x="0" y="0"/>
+          <a:ext cx="0" cy="0"/>
+          <a:chOff x="0" y="0"/>
+          <a:chExt cx="0" cy="0"/>
+        </a:xfrm>
+      </p:grpSpPr>
+      <p:sp>
+        <p:nvSpPr>
+          <p:cNvPr id="2" name="Rechteck 1">
+            <a:extLst>
+              <a:ext uri="{FF2B5EF4-FFF2-40B4-BE49-F238E27FC236}">
                 <a16:creationId xmlns:a16="http://schemas.microsoft.com/office/drawing/2014/main" id="{C621115D-4EED-279D-638D-FCC80EBDE683}"/>
               </a:ext>
             </a:extLst>
@@ -7061,8 +9529,8 @@
         </p:nvSpPr>
         <p:spPr>
           <a:xfrm>
-            <a:off x="3723293" y="943314"/>
-            <a:ext cx="8374312" cy="4753848"/>
+            <a:off x="3723294" y="943314"/>
+            <a:ext cx="3869934" cy="4753848"/>
           </a:xfrm>
           <a:prstGeom prst="rect">
             <a:avLst/>
@@ -7165,7 +9633,7 @@
         </p:nvSpPr>
         <p:spPr>
           <a:xfrm>
-            <a:off x="5682507" y="1020762"/>
+            <a:off x="3871473" y="1609061"/>
             <a:ext cx="1691129" cy="494736"/>
           </a:xfrm>
           <a:prstGeom prst="rect">
@@ -7495,7 +9963,7 @@
         </p:nvSpPr>
         <p:spPr>
           <a:xfrm>
-            <a:off x="7651809" y="1024788"/>
+            <a:off x="5740325" y="1140435"/>
             <a:ext cx="1691129" cy="577360"/>
           </a:xfrm>
           <a:prstGeom prst="rect">
@@ -7748,7 +10216,7 @@
 </p:sld>
 </file>
 
-<file path=ppt/slides/slide4.xml><?xml version="1.0" encoding="utf-8"?>
+<file path=ppt/slides/slide5.xml><?xml version="1.0" encoding="utf-8"?>
 <p:sld xmlns:a="http://schemas.openxmlformats.org/drawingml/2006/main" xmlns:r="http://schemas.openxmlformats.org/officeDocument/2006/relationships" xmlns:p="http://schemas.openxmlformats.org/presentationml/2006/main">
   <p:cSld>
     <p:spTree>
@@ -10069,7 +12537,7 @@
 </p:sld>
 </file>
 
-<file path=ppt/slides/slide5.xml><?xml version="1.0" encoding="utf-8"?>
+<file path=ppt/slides/slide6.xml><?xml version="1.0" encoding="utf-8"?>
 <p:sld xmlns:a="http://schemas.openxmlformats.org/drawingml/2006/main" xmlns:r="http://schemas.openxmlformats.org/officeDocument/2006/relationships" xmlns:p="http://schemas.openxmlformats.org/presentationml/2006/main">
   <p:cSld>
     <p:spTree>

--- a/Description/WebLoginLogout.pptx
+++ b/Description/WebLoginLogout.pptx
@@ -261,7 +261,7 @@
           <a:p>
             <a:fld id="{DDCE6D58-9B57-4731-A47B-3CD41B48F0A9}" type="datetimeFigureOut">
               <a:rPr lang="de-CH" smtClean="0"/>
-              <a:t>12.05.2023</a:t>
+              <a:t>13.05.2023</a:t>
             </a:fld>
             <a:endParaRPr lang="de-CH"/>
           </a:p>
@@ -431,7 +431,7 @@
           <a:p>
             <a:fld id="{DDCE6D58-9B57-4731-A47B-3CD41B48F0A9}" type="datetimeFigureOut">
               <a:rPr lang="de-CH" smtClean="0"/>
-              <a:t>12.05.2023</a:t>
+              <a:t>13.05.2023</a:t>
             </a:fld>
             <a:endParaRPr lang="de-CH"/>
           </a:p>
@@ -611,7 +611,7 @@
           <a:p>
             <a:fld id="{DDCE6D58-9B57-4731-A47B-3CD41B48F0A9}" type="datetimeFigureOut">
               <a:rPr lang="de-CH" smtClean="0"/>
-              <a:t>12.05.2023</a:t>
+              <a:t>13.05.2023</a:t>
             </a:fld>
             <a:endParaRPr lang="de-CH"/>
           </a:p>
@@ -781,7 +781,7 @@
           <a:p>
             <a:fld id="{DDCE6D58-9B57-4731-A47B-3CD41B48F0A9}" type="datetimeFigureOut">
               <a:rPr lang="de-CH" smtClean="0"/>
-              <a:t>12.05.2023</a:t>
+              <a:t>13.05.2023</a:t>
             </a:fld>
             <a:endParaRPr lang="de-CH"/>
           </a:p>
@@ -1027,7 +1027,7 @@
           <a:p>
             <a:fld id="{DDCE6D58-9B57-4731-A47B-3CD41B48F0A9}" type="datetimeFigureOut">
               <a:rPr lang="de-CH" smtClean="0"/>
-              <a:t>12.05.2023</a:t>
+              <a:t>13.05.2023</a:t>
             </a:fld>
             <a:endParaRPr lang="de-CH"/>
           </a:p>
@@ -1259,7 +1259,7 @@
           <a:p>
             <a:fld id="{DDCE6D58-9B57-4731-A47B-3CD41B48F0A9}" type="datetimeFigureOut">
               <a:rPr lang="de-CH" smtClean="0"/>
-              <a:t>12.05.2023</a:t>
+              <a:t>13.05.2023</a:t>
             </a:fld>
             <a:endParaRPr lang="de-CH"/>
           </a:p>
@@ -1626,7 +1626,7 @@
           <a:p>
             <a:fld id="{DDCE6D58-9B57-4731-A47B-3CD41B48F0A9}" type="datetimeFigureOut">
               <a:rPr lang="de-CH" smtClean="0"/>
-              <a:t>12.05.2023</a:t>
+              <a:t>13.05.2023</a:t>
             </a:fld>
             <a:endParaRPr lang="de-CH"/>
           </a:p>
@@ -1744,7 +1744,7 @@
           <a:p>
             <a:fld id="{DDCE6D58-9B57-4731-A47B-3CD41B48F0A9}" type="datetimeFigureOut">
               <a:rPr lang="de-CH" smtClean="0"/>
-              <a:t>12.05.2023</a:t>
+              <a:t>13.05.2023</a:t>
             </a:fld>
             <a:endParaRPr lang="de-CH"/>
           </a:p>
@@ -1839,7 +1839,7 @@
           <a:p>
             <a:fld id="{DDCE6D58-9B57-4731-A47B-3CD41B48F0A9}" type="datetimeFigureOut">
               <a:rPr lang="de-CH" smtClean="0"/>
-              <a:t>12.05.2023</a:t>
+              <a:t>13.05.2023</a:t>
             </a:fld>
             <a:endParaRPr lang="de-CH"/>
           </a:p>
@@ -2116,7 +2116,7 @@
           <a:p>
             <a:fld id="{DDCE6D58-9B57-4731-A47B-3CD41B48F0A9}" type="datetimeFigureOut">
               <a:rPr lang="de-CH" smtClean="0"/>
-              <a:t>12.05.2023</a:t>
+              <a:t>13.05.2023</a:t>
             </a:fld>
             <a:endParaRPr lang="de-CH"/>
           </a:p>
@@ -2369,7 +2369,7 @@
           <a:p>
             <a:fld id="{DDCE6D58-9B57-4731-A47B-3CD41B48F0A9}" type="datetimeFigureOut">
               <a:rPr lang="de-CH" smtClean="0"/>
-              <a:t>12.05.2023</a:t>
+              <a:t>13.05.2023</a:t>
             </a:fld>
             <a:endParaRPr lang="de-CH"/>
           </a:p>
@@ -2582,7 +2582,7 @@
           <a:p>
             <a:fld id="{DDCE6D58-9B57-4731-A47B-3CD41B48F0A9}" type="datetimeFigureOut">
               <a:rPr lang="de-CH" smtClean="0"/>
-              <a:t>12.05.2023</a:t>
+              <a:t>13.05.2023</a:t>
             </a:fld>
             <a:endParaRPr lang="de-CH"/>
           </a:p>
@@ -7849,7 +7849,27 @@
                 <a:latin typeface="Arial" panose="020B0604020202020204" pitchFamily="34" charset="0"/>
                 <a:cs typeface="Arial" panose="020B0604020202020204" pitchFamily="34" charset="0"/>
               </a:rPr>
-              <a:t>Strings, captions and styles</a:t>
+              <a:t>Strings, captions, </a:t>
+            </a:r>
+            <a:r>
+              <a:rPr lang="en-US" sz="1000" b="1">
+                <a:solidFill>
+                  <a:schemeClr val="tx1"/>
+                </a:solidFill>
+                <a:latin typeface="Arial" panose="020B0604020202020204" pitchFamily="34" charset="0"/>
+                <a:cs typeface="Arial" panose="020B0604020202020204" pitchFamily="34" charset="0"/>
+              </a:rPr>
+              <a:t>file names </a:t>
+            </a:r>
+            <a:r>
+              <a:rPr lang="en-US" sz="1000" b="1" dirty="0">
+                <a:solidFill>
+                  <a:schemeClr val="tx1"/>
+                </a:solidFill>
+                <a:latin typeface="Arial" panose="020B0604020202020204" pitchFamily="34" charset="0"/>
+                <a:cs typeface="Arial" panose="020B0604020202020204" pitchFamily="34" charset="0"/>
+              </a:rPr>
+              <a:t>and styles</a:t>
             </a:r>
             <a:r>
               <a:rPr lang="de-CH" sz="1000" b="1" dirty="0">
@@ -10282,6 +10302,224 @@
           </a:p>
           <a:p>
             <a:endParaRPr lang="de-CH" sz="800" b="1" dirty="0">
+              <a:solidFill>
+                <a:schemeClr val="tx1"/>
+              </a:solidFill>
+              <a:latin typeface="Arial" panose="020B0604020202020204" pitchFamily="34" charset="0"/>
+              <a:cs typeface="Arial" panose="020B0604020202020204" pitchFamily="34" charset="0"/>
+            </a:endParaRPr>
+          </a:p>
+        </p:txBody>
+      </p:sp>
+      <p:sp>
+        <p:nvSpPr>
+          <p:cNvPr id="3" name="Rechteck 2">
+            <a:extLst>
+              <a:ext uri="{FF2B5EF4-FFF2-40B4-BE49-F238E27FC236}">
+                <a16:creationId xmlns:a16="http://schemas.microsoft.com/office/drawing/2014/main" id="{89CCFA72-7DC0-6B4F-D858-6C40F4BFA0F9}"/>
+              </a:ext>
+            </a:extLst>
+          </p:cNvPr>
+          <p:cNvSpPr/>
+          <p:nvPr/>
+        </p:nvSpPr>
+        <p:spPr>
+          <a:xfrm>
+            <a:off x="6262766" y="5093748"/>
+            <a:ext cx="2958668" cy="1183301"/>
+          </a:xfrm>
+          <a:prstGeom prst="rect">
+            <a:avLst/>
+          </a:prstGeom>
+          <a:noFill/>
+          <a:ln>
+            <a:solidFill>
+              <a:schemeClr val="tx1"/>
+            </a:solidFill>
+          </a:ln>
+        </p:spPr>
+        <p:style>
+          <a:lnRef idx="2">
+            <a:schemeClr val="accent1">
+              <a:shade val="50000"/>
+            </a:schemeClr>
+          </a:lnRef>
+          <a:fillRef idx="1">
+            <a:schemeClr val="accent1"/>
+          </a:fillRef>
+          <a:effectRef idx="0">
+            <a:schemeClr val="accent1"/>
+          </a:effectRef>
+          <a:fontRef idx="minor">
+            <a:schemeClr val="lt1"/>
+          </a:fontRef>
+        </p:style>
+        <p:txBody>
+          <a:bodyPr rtlCol="0" anchor="ctr"/>
+          <a:lstStyle/>
+          <a:p>
+            <a:pPr algn="ctr"/>
+            <a:endParaRPr lang="de-CH"/>
+          </a:p>
+        </p:txBody>
+      </p:sp>
+      <p:sp>
+        <p:nvSpPr>
+          <p:cNvPr id="9" name="Textfeld 8">
+            <a:extLst>
+              <a:ext uri="{FF2B5EF4-FFF2-40B4-BE49-F238E27FC236}">
+                <a16:creationId xmlns:a16="http://schemas.microsoft.com/office/drawing/2014/main" id="{1244659E-DA97-D7F7-D796-972764F29315}"/>
+              </a:ext>
+            </a:extLst>
+          </p:cNvPr>
+          <p:cNvSpPr txBox="1"/>
+          <p:nvPr/>
+        </p:nvSpPr>
+        <p:spPr>
+          <a:xfrm>
+            <a:off x="6251767" y="4767946"/>
+            <a:ext cx="2888185" cy="307777"/>
+          </a:xfrm>
+          <a:prstGeom prst="rect">
+            <a:avLst/>
+          </a:prstGeom>
+          <a:noFill/>
+        </p:spPr>
+        <p:txBody>
+          <a:bodyPr wrap="square" rtlCol="0">
+            <a:spAutoFit/>
+          </a:bodyPr>
+          <a:lstStyle/>
+          <a:p>
+            <a:r>
+              <a:rPr lang="de-CH" sz="1400" b="1" dirty="0">
+                <a:latin typeface="Arial" panose="020B0604020202020204" pitchFamily="34" charset="0"/>
+                <a:cs typeface="Arial" panose="020B0604020202020204" pitchFamily="34" charset="0"/>
+              </a:rPr>
+              <a:t>Directory </a:t>
+            </a:r>
+            <a:r>
+              <a:rPr lang="de-CH" sz="1400" b="1" dirty="0" err="1">
+                <a:latin typeface="Arial" panose="020B0604020202020204" pitchFamily="34" charset="0"/>
+                <a:cs typeface="Arial" panose="020B0604020202020204" pitchFamily="34" charset="0"/>
+              </a:rPr>
+              <a:t>www</a:t>
+            </a:r>
+            <a:r>
+              <a:rPr lang="de-CH" sz="1400" b="1" dirty="0">
+                <a:latin typeface="Arial" panose="020B0604020202020204" pitchFamily="34" charset="0"/>
+                <a:cs typeface="Arial" panose="020B0604020202020204" pitchFamily="34" charset="0"/>
+              </a:rPr>
+              <a:t>/Tasks/</a:t>
+            </a:r>
+            <a:r>
+              <a:rPr lang="de-CH" sz="1400" b="1" dirty="0" err="1">
+                <a:latin typeface="Arial" panose="020B0604020202020204" pitchFamily="34" charset="0"/>
+                <a:cs typeface="Arial" panose="020B0604020202020204" pitchFamily="34" charset="0"/>
+              </a:rPr>
+              <a:t>Php</a:t>
+            </a:r>
+            <a:r>
+              <a:rPr lang="de-CH" sz="1400" b="1" dirty="0">
+                <a:latin typeface="Arial" panose="020B0604020202020204" pitchFamily="34" charset="0"/>
+                <a:cs typeface="Arial" panose="020B0604020202020204" pitchFamily="34" charset="0"/>
+              </a:rPr>
+              <a:t>/Data/</a:t>
+            </a:r>
+          </a:p>
+        </p:txBody>
+      </p:sp>
+      <p:sp>
+        <p:nvSpPr>
+          <p:cNvPr id="55" name="Rechteck: eine Ecke abgeschnitten 54">
+            <a:extLst>
+              <a:ext uri="{FF2B5EF4-FFF2-40B4-BE49-F238E27FC236}">
+                <a16:creationId xmlns:a16="http://schemas.microsoft.com/office/drawing/2014/main" id="{88B71A74-B911-45BD-D846-EC501259FB99}"/>
+              </a:ext>
+            </a:extLst>
+          </p:cNvPr>
+          <p:cNvSpPr/>
+          <p:nvPr/>
+        </p:nvSpPr>
+        <p:spPr>
+          <a:xfrm>
+            <a:off x="6959600" y="5244031"/>
+            <a:ext cx="1253067" cy="793292"/>
+          </a:xfrm>
+          <a:prstGeom prst="snip1Rect">
+            <a:avLst/>
+          </a:prstGeom>
+          <a:noFill/>
+          <a:ln>
+            <a:solidFill>
+              <a:schemeClr val="tx1"/>
+            </a:solidFill>
+          </a:ln>
+        </p:spPr>
+        <p:style>
+          <a:lnRef idx="2">
+            <a:schemeClr val="accent1">
+              <a:shade val="50000"/>
+            </a:schemeClr>
+          </a:lnRef>
+          <a:fillRef idx="1">
+            <a:schemeClr val="accent1"/>
+          </a:fillRef>
+          <a:effectRef idx="0">
+            <a:schemeClr val="accent1"/>
+          </a:effectRef>
+          <a:fontRef idx="minor">
+            <a:schemeClr val="lt1"/>
+          </a:fontRef>
+        </p:style>
+        <p:txBody>
+          <a:bodyPr rtlCol="0" anchor="ctr"/>
+          <a:lstStyle/>
+          <a:p>
+            <a:pPr algn="ctr"/>
+            <a:r>
+              <a:rPr lang="de-CH" sz="1000" b="1" dirty="0">
+                <a:solidFill>
+                  <a:schemeClr val="tx1"/>
+                </a:solidFill>
+                <a:latin typeface="Arial" panose="020B0604020202020204" pitchFamily="34" charset="0"/>
+                <a:cs typeface="Arial" panose="020B0604020202020204" pitchFamily="34" charset="0"/>
+              </a:rPr>
+              <a:t>LoginLogout.txt</a:t>
+            </a:r>
+          </a:p>
+          <a:p>
+            <a:pPr algn="ctr"/>
+            <a:endParaRPr lang="de-CH" sz="1000" b="1" dirty="0">
+              <a:solidFill>
+                <a:schemeClr val="tx1"/>
+              </a:solidFill>
+              <a:latin typeface="Arial" panose="020B0604020202020204" pitchFamily="34" charset="0"/>
+              <a:cs typeface="Arial" panose="020B0604020202020204" pitchFamily="34" charset="0"/>
+            </a:endParaRPr>
+          </a:p>
+          <a:p>
+            <a:pPr algn="ctr"/>
+            <a:endParaRPr lang="de-CH" sz="1000" b="1" dirty="0">
+              <a:solidFill>
+                <a:schemeClr val="tx1"/>
+              </a:solidFill>
+              <a:latin typeface="Arial" panose="020B0604020202020204" pitchFamily="34" charset="0"/>
+              <a:cs typeface="Arial" panose="020B0604020202020204" pitchFamily="34" charset="0"/>
+            </a:endParaRPr>
+          </a:p>
+          <a:p>
+            <a:r>
+              <a:rPr lang="de-CH" sz="1000" b="1" dirty="0" err="1">
+                <a:solidFill>
+                  <a:schemeClr val="tx1"/>
+                </a:solidFill>
+                <a:latin typeface="Arial" panose="020B0604020202020204" pitchFamily="34" charset="0"/>
+                <a:cs typeface="Arial" panose="020B0604020202020204" pitchFamily="34" charset="0"/>
+              </a:rPr>
+              <a:t>login_name</a:t>
+            </a:r>
+            <a:endParaRPr lang="de-CH" sz="1000" b="1" dirty="0">
               <a:solidFill>
                 <a:schemeClr val="tx1"/>
               </a:solidFill>
